--- a/Literature/Presentations/Paper presentatie 4 mei.pptx
+++ b/Literature/Presentations/Paper presentatie 4 mei.pptx
@@ -13,8 +13,8 @@
   </p:handoutMasterIdLst>
   <p:sldIdLst>
     <p:sldId id="256" r:id="rId3"/>
-    <p:sldId id="265" r:id="rId4"/>
-    <p:sldId id="275" r:id="rId5"/>
+    <p:sldId id="275" r:id="rId4"/>
+    <p:sldId id="265" r:id="rId5"/>
     <p:sldId id="266" r:id="rId6"/>
     <p:sldId id="267" r:id="rId7"/>
     <p:sldId id="269" r:id="rId8"/>
@@ -222,7 +222,7 @@
           <a:p>
             <a:fld id="{DBAE3B3E-782A-9745-8E84-372F7B6771BF}" type="datetimeFigureOut">
               <a:rPr lang="en-US" smtClean="0"/>
-              <a:t>5/2/2017</a:t>
+              <a:t>5/3/2017</a:t>
             </a:fld>
             <a:endParaRPr lang="en-US" dirty="0"/>
           </a:p>
@@ -387,7 +387,7 @@
           <a:p>
             <a:fld id="{C98F221B-3185-439B-A550-43BD07BF096B}" type="datetimeFigureOut">
               <a:rPr lang="en-US" smtClean="0"/>
-              <a:t>5/2/2017</a:t>
+              <a:t>5/3/2017</a:t>
             </a:fld>
             <a:endParaRPr lang="en-US"/>
           </a:p>
@@ -699,7 +699,313 @@
           <a:bodyPr/>
           <a:lstStyle/>
           <a:p>
-            <a:endParaRPr lang="en-US"/>
+            <a:r>
+              <a:rPr lang="nl-NL" dirty="0" err="1" smtClean="0"/>
+              <a:t>Routinely</a:t>
+            </a:r>
+            <a:r>
+              <a:rPr lang="nl-NL" baseline="0" dirty="0" smtClean="0"/>
+              <a:t> manage </a:t>
+            </a:r>
+            <a:r>
+              <a:rPr lang="nl-NL" baseline="0" dirty="0" err="1" smtClean="0"/>
+              <a:t>to</a:t>
+            </a:r>
+            <a:r>
+              <a:rPr lang="nl-NL" baseline="0" dirty="0" smtClean="0"/>
+              <a:t> </a:t>
+            </a:r>
+            <a:r>
+              <a:rPr lang="nl-NL" baseline="0" dirty="0" err="1" smtClean="0"/>
+              <a:t>learn</a:t>
+            </a:r>
+            <a:r>
+              <a:rPr lang="nl-NL" baseline="0" dirty="0" smtClean="0"/>
+              <a:t> the </a:t>
+            </a:r>
+            <a:r>
+              <a:rPr lang="nl-NL" baseline="0" dirty="0" err="1" smtClean="0"/>
+              <a:t>behavior</a:t>
+            </a:r>
+            <a:r>
+              <a:rPr lang="nl-NL" baseline="0" dirty="0" smtClean="0"/>
+              <a:t> of a device or a computer program </a:t>
+            </a:r>
+            <a:r>
+              <a:rPr lang="nl-NL" baseline="0" dirty="0" err="1" smtClean="0"/>
+              <a:t>by</a:t>
+            </a:r>
+            <a:r>
+              <a:rPr lang="nl-NL" baseline="0" dirty="0" smtClean="0"/>
+              <a:t> </a:t>
+            </a:r>
+            <a:r>
+              <a:rPr lang="nl-NL" baseline="0" dirty="0" err="1" smtClean="0"/>
+              <a:t>just</a:t>
+            </a:r>
+            <a:r>
+              <a:rPr lang="nl-NL" baseline="0" dirty="0" smtClean="0"/>
+              <a:t> pressing buttons </a:t>
+            </a:r>
+            <a:r>
+              <a:rPr lang="nl-NL" baseline="0" dirty="0" err="1" smtClean="0"/>
+              <a:t>and</a:t>
+            </a:r>
+            <a:r>
+              <a:rPr lang="nl-NL" baseline="0" dirty="0" smtClean="0"/>
+              <a:t> </a:t>
+            </a:r>
+            <a:r>
+              <a:rPr lang="nl-NL" baseline="0" dirty="0" err="1" smtClean="0"/>
+              <a:t>observing</a:t>
+            </a:r>
+            <a:r>
+              <a:rPr lang="nl-NL" baseline="0" dirty="0" smtClean="0"/>
+              <a:t> the </a:t>
+            </a:r>
+            <a:r>
+              <a:rPr lang="nl-NL" baseline="0" dirty="0" err="1" smtClean="0"/>
+              <a:t>resulting</a:t>
+            </a:r>
+            <a:r>
+              <a:rPr lang="nl-NL" baseline="0" dirty="0" smtClean="0"/>
+              <a:t> </a:t>
+            </a:r>
+            <a:r>
+              <a:rPr lang="nl-NL" baseline="0" dirty="0" err="1" smtClean="0"/>
+              <a:t>behavior</a:t>
+            </a:r>
+            <a:r>
+              <a:rPr lang="nl-NL" baseline="0" dirty="0" smtClean="0"/>
+              <a:t>.</a:t>
+            </a:r>
+          </a:p>
+          <a:p>
+            <a:r>
+              <a:rPr lang="nl-NL" baseline="0" dirty="0" smtClean="0"/>
+              <a:t>-&gt; </a:t>
+            </a:r>
+            <a:r>
+              <a:rPr lang="nl-NL" baseline="0" dirty="0" err="1" smtClean="0"/>
+              <a:t>mental</a:t>
+            </a:r>
+            <a:r>
+              <a:rPr lang="nl-NL" baseline="0" dirty="0" smtClean="0"/>
+              <a:t> model/state diagram is </a:t>
+            </a:r>
+            <a:r>
+              <a:rPr lang="nl-NL" baseline="0" dirty="0" err="1" smtClean="0"/>
+              <a:t>created</a:t>
+            </a:r>
+            <a:r>
+              <a:rPr lang="nl-NL" baseline="0" dirty="0" smtClean="0"/>
+              <a:t> of device</a:t>
+            </a:r>
+          </a:p>
+          <a:p>
+            <a:r>
+              <a:rPr lang="nl-NL" dirty="0" smtClean="0"/>
+              <a:t>-&gt;</a:t>
+            </a:r>
+            <a:r>
+              <a:rPr lang="nl-NL" dirty="0" err="1" smtClean="0"/>
+              <a:t>experiments</a:t>
+            </a:r>
+            <a:r>
+              <a:rPr lang="nl-NL" baseline="0" dirty="0" smtClean="0"/>
+              <a:t> lead </a:t>
+            </a:r>
+            <a:r>
+              <a:rPr lang="nl-NL" baseline="0" dirty="0" err="1" smtClean="0"/>
+              <a:t>to</a:t>
+            </a:r>
+            <a:r>
+              <a:rPr lang="nl-NL" baseline="0" dirty="0" smtClean="0"/>
+              <a:t> </a:t>
+            </a:r>
+            <a:r>
+              <a:rPr lang="nl-NL" baseline="0" dirty="0" err="1" smtClean="0"/>
+              <a:t>determination</a:t>
+            </a:r>
+            <a:r>
+              <a:rPr lang="nl-NL" baseline="0" dirty="0" smtClean="0"/>
+              <a:t> of the </a:t>
+            </a:r>
+            <a:r>
+              <a:rPr lang="nl-NL" baseline="0" dirty="0" err="1" smtClean="0"/>
+              <a:t>global</a:t>
+            </a:r>
+            <a:r>
+              <a:rPr lang="nl-NL" baseline="0" dirty="0" smtClean="0"/>
+              <a:t> </a:t>
+            </a:r>
+            <a:r>
+              <a:rPr lang="nl-NL" baseline="0" dirty="0" err="1" smtClean="0"/>
+              <a:t>states</a:t>
+            </a:r>
+            <a:r>
+              <a:rPr lang="nl-NL" baseline="0" dirty="0" smtClean="0"/>
+              <a:t> of the device, </a:t>
+            </a:r>
+            <a:r>
+              <a:rPr lang="nl-NL" baseline="0" dirty="0" err="1" smtClean="0"/>
+              <a:t>and</a:t>
+            </a:r>
+            <a:r>
+              <a:rPr lang="nl-NL" baseline="0" dirty="0" smtClean="0"/>
+              <a:t> </a:t>
+            </a:r>
+            <a:r>
+              <a:rPr lang="nl-NL" baseline="0" dirty="0" err="1" smtClean="0"/>
+              <a:t>which</a:t>
+            </a:r>
+            <a:r>
+              <a:rPr lang="nl-NL" baseline="0" dirty="0" smtClean="0"/>
+              <a:t> </a:t>
+            </a:r>
+            <a:r>
+              <a:rPr lang="nl-NL" baseline="0" dirty="0" err="1" smtClean="0"/>
+              <a:t>transitions</a:t>
+            </a:r>
+            <a:r>
+              <a:rPr lang="nl-NL" baseline="0" dirty="0" smtClean="0"/>
+              <a:t> </a:t>
+            </a:r>
+            <a:r>
+              <a:rPr lang="nl-NL" baseline="0" dirty="0" err="1" smtClean="0"/>
+              <a:t>and</a:t>
+            </a:r>
+            <a:r>
+              <a:rPr lang="nl-NL" baseline="0" dirty="0" smtClean="0"/>
+              <a:t> </a:t>
+            </a:r>
+            <a:r>
+              <a:rPr lang="nl-NL" baseline="0" dirty="0" err="1" smtClean="0"/>
+              <a:t>outputs</a:t>
+            </a:r>
+            <a:r>
+              <a:rPr lang="nl-NL" baseline="0" dirty="0" smtClean="0"/>
+              <a:t> </a:t>
+            </a:r>
+            <a:r>
+              <a:rPr lang="nl-NL" baseline="0" dirty="0" err="1" smtClean="0"/>
+              <a:t>occur</a:t>
+            </a:r>
+            <a:r>
+              <a:rPr lang="nl-NL" baseline="0" dirty="0" smtClean="0"/>
+              <a:t> in response </a:t>
+            </a:r>
+            <a:r>
+              <a:rPr lang="nl-NL" baseline="0" dirty="0" err="1" smtClean="0"/>
+              <a:t>to</a:t>
+            </a:r>
+            <a:r>
+              <a:rPr lang="nl-NL" baseline="0" dirty="0" smtClean="0"/>
+              <a:t> </a:t>
+            </a:r>
+            <a:r>
+              <a:rPr lang="nl-NL" baseline="0" dirty="0" err="1" smtClean="0"/>
+              <a:t>which</a:t>
+            </a:r>
+            <a:r>
+              <a:rPr lang="nl-NL" baseline="0" dirty="0" smtClean="0"/>
+              <a:t> </a:t>
+            </a:r>
+            <a:r>
+              <a:rPr lang="nl-NL" baseline="0" dirty="0" err="1" smtClean="0"/>
+              <a:t>inputs</a:t>
+            </a:r>
+            <a:r>
+              <a:rPr lang="nl-NL" baseline="0" dirty="0" smtClean="0"/>
+              <a:t>.</a:t>
+            </a:r>
+          </a:p>
+          <a:p>
+            <a:endParaRPr lang="nl-NL" baseline="0" dirty="0" smtClean="0"/>
+          </a:p>
+          <a:p>
+            <a:r>
+              <a:rPr lang="nl-NL" b="1" baseline="0" dirty="0" smtClean="0"/>
+              <a:t>SUT</a:t>
+            </a:r>
+          </a:p>
+          <a:p>
+            <a:endParaRPr lang="nl-NL" baseline="0" dirty="0" smtClean="0"/>
+          </a:p>
+          <a:p>
+            <a:r>
+              <a:rPr lang="nl-NL" baseline="0" dirty="0" err="1" smtClean="0"/>
+              <a:t>This</a:t>
+            </a:r>
+            <a:r>
+              <a:rPr lang="nl-NL" baseline="0" dirty="0" smtClean="0"/>
+              <a:t> </a:t>
+            </a:r>
+            <a:r>
+              <a:rPr lang="nl-NL" baseline="0" dirty="0" err="1" smtClean="0"/>
+              <a:t>presentation</a:t>
+            </a:r>
+            <a:r>
+              <a:rPr lang="nl-NL" baseline="0" dirty="0" smtClean="0"/>
+              <a:t> reviews </a:t>
+            </a:r>
+            <a:r>
+              <a:rPr lang="nl-NL" baseline="0" dirty="0" err="1" smtClean="0"/>
+              <a:t>an</a:t>
+            </a:r>
+            <a:r>
+              <a:rPr lang="nl-NL" baseline="0" dirty="0" smtClean="0"/>
+              <a:t> </a:t>
+            </a:r>
+            <a:r>
+              <a:rPr lang="nl-NL" baseline="0" dirty="0" err="1" smtClean="0"/>
+              <a:t>article</a:t>
+            </a:r>
+            <a:r>
+              <a:rPr lang="nl-NL" baseline="0" dirty="0" smtClean="0"/>
+              <a:t> </a:t>
+            </a:r>
+            <a:r>
+              <a:rPr lang="nl-NL" baseline="0" dirty="0" err="1" smtClean="0"/>
+              <a:t>that</a:t>
+            </a:r>
+            <a:r>
+              <a:rPr lang="nl-NL" baseline="0" dirty="0" smtClean="0"/>
+              <a:t> </a:t>
+            </a:r>
+            <a:r>
+              <a:rPr lang="nl-NL" baseline="0" dirty="0" err="1" smtClean="0"/>
+              <a:t>implements</a:t>
+            </a:r>
+            <a:r>
+              <a:rPr lang="nl-NL" baseline="0" dirty="0" smtClean="0"/>
+              <a:t> the state machine </a:t>
+            </a:r>
+            <a:r>
+              <a:rPr lang="nl-NL" baseline="0" dirty="0" err="1" smtClean="0"/>
+              <a:t>learning</a:t>
+            </a:r>
+            <a:r>
+              <a:rPr lang="nl-NL" baseline="0" dirty="0" smtClean="0"/>
+              <a:t> </a:t>
+            </a:r>
+            <a:r>
+              <a:rPr lang="nl-NL" baseline="0" dirty="0" err="1" smtClean="0"/>
+              <a:t>algorithm</a:t>
+            </a:r>
+            <a:r>
+              <a:rPr lang="nl-NL" baseline="0" dirty="0" smtClean="0"/>
+              <a:t> </a:t>
+            </a:r>
+            <a:r>
+              <a:rPr lang="nl-NL" baseline="0" dirty="0" err="1" smtClean="0"/>
+              <a:t>automatically</a:t>
+            </a:r>
+            <a:r>
+              <a:rPr lang="nl-NL" baseline="0" dirty="0" smtClean="0"/>
+              <a:t>.</a:t>
+            </a:r>
+            <a:endParaRPr lang="en-US" dirty="0"/>
           </a:p>
         </p:txBody>
       </p:sp>
@@ -720,7 +1026,7 @@
           <a:p>
             <a:fld id="{2300DBF3-519B-4243-9F2B-30F73AE41602}" type="slidenum">
               <a:rPr lang="en-US" smtClean="0"/>
-              <a:t>6</a:t>
+              <a:t>2</a:t>
             </a:fld>
             <a:endParaRPr lang="en-US"/>
           </a:p>
@@ -729,7 +1035,7 @@
     </p:spTree>
     <p:extLst>
       <p:ext uri="{BB962C8B-B14F-4D97-AF65-F5344CB8AC3E}">
-        <p14:creationId xmlns:p14="http://schemas.microsoft.com/office/powerpoint/2010/main" val="1951722741"/>
+        <p14:creationId xmlns:p14="http://schemas.microsoft.com/office/powerpoint/2010/main" val="2304110303"/>
       </p:ext>
     </p:extLst>
   </p:cSld>
@@ -783,7 +1089,7 @@
           <a:bodyPr/>
           <a:lstStyle/>
           <a:p>
-            <a:endParaRPr lang="en-US" dirty="0"/>
+            <a:endParaRPr lang="en-US"/>
           </a:p>
         </p:txBody>
       </p:sp>
@@ -804,7 +1110,7 @@
           <a:p>
             <a:fld id="{2300DBF3-519B-4243-9F2B-30F73AE41602}" type="slidenum">
               <a:rPr lang="en-US" smtClean="0"/>
-              <a:t>7</a:t>
+              <a:t>6</a:t>
             </a:fld>
             <a:endParaRPr lang="en-US"/>
           </a:p>
@@ -813,7 +1119,7 @@
     </p:spTree>
     <p:extLst>
       <p:ext uri="{BB962C8B-B14F-4D97-AF65-F5344CB8AC3E}">
-        <p14:creationId xmlns:p14="http://schemas.microsoft.com/office/powerpoint/2010/main" val="3172498090"/>
+        <p14:creationId xmlns:p14="http://schemas.microsoft.com/office/powerpoint/2010/main" val="1951722741"/>
       </p:ext>
     </p:extLst>
   </p:cSld>
@@ -888,6 +1194,90 @@
           <a:p>
             <a:fld id="{2300DBF3-519B-4243-9F2B-30F73AE41602}" type="slidenum">
               <a:rPr lang="en-US" smtClean="0"/>
+              <a:t>7</a:t>
+            </a:fld>
+            <a:endParaRPr lang="en-US"/>
+          </a:p>
+        </p:txBody>
+      </p:sp>
+    </p:spTree>
+    <p:extLst>
+      <p:ext uri="{BB962C8B-B14F-4D97-AF65-F5344CB8AC3E}">
+        <p14:creationId xmlns:p14="http://schemas.microsoft.com/office/powerpoint/2010/main" val="3172498090"/>
+      </p:ext>
+    </p:extLst>
+  </p:cSld>
+  <p:clrMapOvr>
+    <a:masterClrMapping/>
+  </p:clrMapOvr>
+</p:notes>
+</file>
+
+<file path=ppt/notesSlides/notesSlide4.xml><?xml version="1.0" encoding="utf-8"?>
+<p:notes xmlns:a="http://schemas.openxmlformats.org/drawingml/2006/main" xmlns:r="http://schemas.openxmlformats.org/officeDocument/2006/relationships" xmlns:p="http://schemas.openxmlformats.org/presentationml/2006/main">
+  <p:cSld>
+    <p:spTree>
+      <p:nvGrpSpPr>
+        <p:cNvPr id="1" name=""/>
+        <p:cNvGrpSpPr/>
+        <p:nvPr/>
+      </p:nvGrpSpPr>
+      <p:grpSpPr>
+        <a:xfrm>
+          <a:off x="0" y="0"/>
+          <a:ext cx="0" cy="0"/>
+          <a:chOff x="0" y="0"/>
+          <a:chExt cx="0" cy="0"/>
+        </a:xfrm>
+      </p:grpSpPr>
+      <p:sp>
+        <p:nvSpPr>
+          <p:cNvPr id="2" name="Slide Image Placeholder 1"/>
+          <p:cNvSpPr>
+            <a:spLocks noGrp="1" noRot="1" noChangeAspect="1"/>
+          </p:cNvSpPr>
+          <p:nvPr>
+            <p:ph type="sldImg"/>
+          </p:nvPr>
+        </p:nvSpPr>
+        <p:spPr/>
+      </p:sp>
+      <p:sp>
+        <p:nvSpPr>
+          <p:cNvPr id="3" name="Notes Placeholder 2"/>
+          <p:cNvSpPr>
+            <a:spLocks noGrp="1"/>
+          </p:cNvSpPr>
+          <p:nvPr>
+            <p:ph type="body" idx="1"/>
+          </p:nvPr>
+        </p:nvSpPr>
+        <p:spPr/>
+        <p:txBody>
+          <a:bodyPr/>
+          <a:lstStyle/>
+          <a:p>
+            <a:endParaRPr lang="en-US" dirty="0"/>
+          </a:p>
+        </p:txBody>
+      </p:sp>
+      <p:sp>
+        <p:nvSpPr>
+          <p:cNvPr id="4" name="Slide Number Placeholder 3"/>
+          <p:cNvSpPr>
+            <a:spLocks noGrp="1"/>
+          </p:cNvSpPr>
+          <p:nvPr>
+            <p:ph type="sldNum" sz="quarter" idx="10"/>
+          </p:nvPr>
+        </p:nvSpPr>
+        <p:spPr/>
+        <p:txBody>
+          <a:bodyPr/>
+          <a:lstStyle/>
+          <a:p>
+            <a:fld id="{2300DBF3-519B-4243-9F2B-30F73AE41602}" type="slidenum">
+              <a:rPr lang="en-US" smtClean="0"/>
               <a:t>8</a:t>
             </a:fld>
             <a:endParaRPr lang="en-US"/>
@@ -907,7 +1297,7 @@
 </p:notes>
 </file>
 
-<file path=ppt/notesSlides/notesSlide4.xml><?xml version="1.0" encoding="utf-8"?>
+<file path=ppt/notesSlides/notesSlide5.xml><?xml version="1.0" encoding="utf-8"?>
 <p:notes xmlns:a="http://schemas.openxmlformats.org/drawingml/2006/main" xmlns:r="http://schemas.openxmlformats.org/officeDocument/2006/relationships" xmlns:p="http://schemas.openxmlformats.org/presentationml/2006/main">
   <p:cSld>
     <p:spTree>
@@ -2280,7 +2670,7 @@
           <a:p>
             <a:fld id="{462A2416-1570-3849-86F9-07F78746E1B2}" type="datetimeFigureOut">
               <a:rPr lang="en-US" smtClean="0"/>
-              <a:t>5/2/2017</a:t>
+              <a:t>5/3/2017</a:t>
             </a:fld>
             <a:endParaRPr lang="en-US" dirty="0"/>
           </a:p>
@@ -3595,375 +3985,16 @@
               <a:t>Model </a:t>
             </a:r>
             <a:r>
-              <a:rPr lang="nl-NL" sz="8800" dirty="0" err="1" smtClean="0">
+              <a:rPr lang="nl-NL" sz="8800" dirty="0" smtClean="0">
                 <a:latin typeface="Arial"/>
                 <a:cs typeface="Arial"/>
               </a:rPr>
-              <a:t>Inference</a:t>
+              <a:t>Learning</a:t>
             </a:r>
             <a:endParaRPr lang="en-US" sz="8800" dirty="0">
               <a:latin typeface="Arial"/>
               <a:cs typeface="Arial"/>
             </a:endParaRPr>
-          </a:p>
-        </p:txBody>
-      </p:sp>
-      <p:sp>
-        <p:nvSpPr>
-          <p:cNvPr id="5" name="Subtitle 2"/>
-          <p:cNvSpPr txBox="1">
-            <a:spLocks/>
-          </p:cNvSpPr>
-          <p:nvPr/>
-        </p:nvSpPr>
-        <p:spPr>
-          <a:xfrm>
-            <a:off x="1880240" y="4407494"/>
-            <a:ext cx="7007386" cy="1865119"/>
-          </a:xfrm>
-          <a:prstGeom prst="rect">
-            <a:avLst/>
-          </a:prstGeom>
-        </p:spPr>
-        <p:txBody>
-          <a:bodyPr vert="horz" lIns="91440" tIns="45720" rIns="91440" bIns="45720" rtlCol="0">
-            <a:normAutofit fontScale="62500" lnSpcReduction="20000"/>
-          </a:bodyPr>
-          <a:lstStyle>
-            <a:lvl1pPr marL="0" indent="0" algn="l" defTabSz="457200" rtl="0" eaLnBrk="1" latinLnBrk="0" hangingPunct="1">
-              <a:spcBef>
-                <a:spcPct val="20000"/>
-              </a:spcBef>
-              <a:buClr>
-                <a:srgbClr val="00A6D6"/>
-              </a:buClr>
-              <a:buFont typeface="Arial"/>
-              <a:buNone/>
-              <a:defRPr sz="2800" kern="1200">
-                <a:solidFill>
-                  <a:schemeClr val="tx1"/>
-                </a:solidFill>
-                <a:latin typeface="Arial"/>
-                <a:ea typeface="+mn-ea"/>
-                <a:cs typeface="Arial"/>
-              </a:defRPr>
-            </a:lvl1pPr>
-            <a:lvl2pPr marL="457200" indent="0" algn="ctr" defTabSz="457200" rtl="0" eaLnBrk="1" latinLnBrk="0" hangingPunct="1">
-              <a:spcBef>
-                <a:spcPct val="20000"/>
-              </a:spcBef>
-              <a:buClr>
-                <a:srgbClr val="00A6D6"/>
-              </a:buClr>
-              <a:buFont typeface="Arial"/>
-              <a:buNone/>
-              <a:defRPr sz="2400" kern="1200">
-                <a:solidFill>
-                  <a:schemeClr val="tx1">
-                    <a:tint val="75000"/>
-                  </a:schemeClr>
-                </a:solidFill>
-                <a:latin typeface="Arial"/>
-                <a:ea typeface="+mn-ea"/>
-                <a:cs typeface="Arial"/>
-              </a:defRPr>
-            </a:lvl2pPr>
-            <a:lvl3pPr marL="914400" indent="0" algn="ctr" defTabSz="457200" rtl="0" eaLnBrk="1" latinLnBrk="0" hangingPunct="1">
-              <a:spcBef>
-                <a:spcPct val="20000"/>
-              </a:spcBef>
-              <a:buClr>
-                <a:srgbClr val="00A6D6"/>
-              </a:buClr>
-              <a:buFont typeface="Arial"/>
-              <a:buNone/>
-              <a:defRPr sz="2400" kern="1200">
-                <a:solidFill>
-                  <a:schemeClr val="tx1">
-                    <a:tint val="75000"/>
-                  </a:schemeClr>
-                </a:solidFill>
-                <a:latin typeface="Arial"/>
-                <a:ea typeface="+mn-ea"/>
-                <a:cs typeface="Arial"/>
-              </a:defRPr>
-            </a:lvl3pPr>
-            <a:lvl4pPr marL="1371600" indent="0" algn="ctr" defTabSz="457200" rtl="0" eaLnBrk="1" latinLnBrk="0" hangingPunct="1">
-              <a:spcBef>
-                <a:spcPct val="20000"/>
-              </a:spcBef>
-              <a:buFont typeface="Arial"/>
-              <a:buNone/>
-              <a:defRPr sz="2000" kern="1200">
-                <a:solidFill>
-                  <a:schemeClr val="tx1">
-                    <a:tint val="75000"/>
-                  </a:schemeClr>
-                </a:solidFill>
-                <a:latin typeface="Arial"/>
-                <a:ea typeface="+mn-ea"/>
-                <a:cs typeface="Arial"/>
-              </a:defRPr>
-            </a:lvl4pPr>
-            <a:lvl5pPr marL="1828800" indent="0" algn="ctr" defTabSz="457200" rtl="0" eaLnBrk="1" latinLnBrk="0" hangingPunct="1">
-              <a:spcBef>
-                <a:spcPct val="20000"/>
-              </a:spcBef>
-              <a:buFont typeface="Arial"/>
-              <a:buNone/>
-              <a:defRPr sz="2000" kern="1200">
-                <a:solidFill>
-                  <a:schemeClr val="tx1">
-                    <a:tint val="75000"/>
-                  </a:schemeClr>
-                </a:solidFill>
-                <a:latin typeface="Arial"/>
-                <a:ea typeface="+mn-ea"/>
-                <a:cs typeface="Arial"/>
-              </a:defRPr>
-            </a:lvl5pPr>
-            <a:lvl6pPr marL="2286000" indent="0" algn="ctr" defTabSz="457200" rtl="0" eaLnBrk="1" latinLnBrk="0" hangingPunct="1">
-              <a:spcBef>
-                <a:spcPct val="20000"/>
-              </a:spcBef>
-              <a:buFont typeface="Arial"/>
-              <a:buNone/>
-              <a:defRPr sz="2000" kern="1200">
-                <a:solidFill>
-                  <a:schemeClr val="tx1">
-                    <a:tint val="75000"/>
-                  </a:schemeClr>
-                </a:solidFill>
-                <a:latin typeface="+mn-lt"/>
-                <a:ea typeface="+mn-ea"/>
-                <a:cs typeface="+mn-cs"/>
-              </a:defRPr>
-            </a:lvl6pPr>
-            <a:lvl7pPr marL="2743200" indent="0" algn="ctr" defTabSz="457200" rtl="0" eaLnBrk="1" latinLnBrk="0" hangingPunct="1">
-              <a:spcBef>
-                <a:spcPct val="20000"/>
-              </a:spcBef>
-              <a:buFont typeface="Arial"/>
-              <a:buNone/>
-              <a:defRPr sz="2000" kern="1200">
-                <a:solidFill>
-                  <a:schemeClr val="tx1">
-                    <a:tint val="75000"/>
-                  </a:schemeClr>
-                </a:solidFill>
-                <a:latin typeface="+mn-lt"/>
-                <a:ea typeface="+mn-ea"/>
-                <a:cs typeface="+mn-cs"/>
-              </a:defRPr>
-            </a:lvl7pPr>
-            <a:lvl8pPr marL="3200400" indent="0" algn="ctr" defTabSz="457200" rtl="0" eaLnBrk="1" latinLnBrk="0" hangingPunct="1">
-              <a:spcBef>
-                <a:spcPct val="20000"/>
-              </a:spcBef>
-              <a:buFont typeface="Arial"/>
-              <a:buNone/>
-              <a:defRPr sz="2000" kern="1200">
-                <a:solidFill>
-                  <a:schemeClr val="tx1">
-                    <a:tint val="75000"/>
-                  </a:schemeClr>
-                </a:solidFill>
-                <a:latin typeface="+mn-lt"/>
-                <a:ea typeface="+mn-ea"/>
-                <a:cs typeface="+mn-cs"/>
-              </a:defRPr>
-            </a:lvl8pPr>
-            <a:lvl9pPr marL="3657600" indent="0" algn="ctr" defTabSz="457200" rtl="0" eaLnBrk="1" latinLnBrk="0" hangingPunct="1">
-              <a:spcBef>
-                <a:spcPct val="20000"/>
-              </a:spcBef>
-              <a:buFont typeface="Arial"/>
-              <a:buNone/>
-              <a:defRPr sz="2000" kern="1200">
-                <a:solidFill>
-                  <a:schemeClr val="tx1">
-                    <a:tint val="75000"/>
-                  </a:schemeClr>
-                </a:solidFill>
-                <a:latin typeface="+mn-lt"/>
-                <a:ea typeface="+mn-ea"/>
-                <a:cs typeface="+mn-cs"/>
-              </a:defRPr>
-            </a:lvl9pPr>
-          </a:lstStyle>
-          <a:p>
-            <a:r>
-              <a:rPr lang="en-US" dirty="0" err="1" smtClean="0">
-                <a:solidFill>
-                  <a:schemeClr val="tx1">
-                    <a:lumMod val="75000"/>
-                    <a:lumOff val="25000"/>
-                  </a:schemeClr>
-                </a:solidFill>
-              </a:rPr>
-              <a:t>Aarts</a:t>
-            </a:r>
-            <a:r>
-              <a:rPr lang="en-US" dirty="0" smtClean="0">
-                <a:solidFill>
-                  <a:schemeClr val="tx1">
-                    <a:lumMod val="75000"/>
-                    <a:lumOff val="25000"/>
-                  </a:schemeClr>
-                </a:solidFill>
-              </a:rPr>
-              <a:t>, Fides, Julien Schmaltz, and Frits </a:t>
-            </a:r>
-            <a:r>
-              <a:rPr lang="en-US" dirty="0" err="1" smtClean="0">
-                <a:solidFill>
-                  <a:schemeClr val="tx1">
-                    <a:lumMod val="75000"/>
-                    <a:lumOff val="25000"/>
-                  </a:schemeClr>
-                </a:solidFill>
-              </a:rPr>
-              <a:t>Vaandrager</a:t>
-            </a:r>
-            <a:r>
-              <a:rPr lang="en-US" dirty="0" smtClean="0">
-                <a:solidFill>
-                  <a:schemeClr val="tx1">
-                    <a:lumMod val="75000"/>
-                    <a:lumOff val="25000"/>
-                  </a:schemeClr>
-                </a:solidFill>
-              </a:rPr>
-              <a:t>. "</a:t>
-            </a:r>
-            <a:r>
-              <a:rPr lang="en-US" u="sng" dirty="0" smtClean="0">
-                <a:solidFill>
-                  <a:schemeClr val="tx1">
-                    <a:lumMod val="75000"/>
-                    <a:lumOff val="25000"/>
-                  </a:schemeClr>
-                </a:solidFill>
-              </a:rPr>
-              <a:t>Inference and abstraction of the biometric passport</a:t>
-            </a:r>
-            <a:r>
-              <a:rPr lang="en-US" dirty="0" smtClean="0">
-                <a:solidFill>
-                  <a:schemeClr val="tx1">
-                    <a:lumMod val="75000"/>
-                    <a:lumOff val="25000"/>
-                  </a:schemeClr>
-                </a:solidFill>
-              </a:rPr>
-              <a:t>." </a:t>
-            </a:r>
-            <a:r>
-              <a:rPr lang="en-US" i="1" dirty="0" smtClean="0">
-                <a:solidFill>
-                  <a:schemeClr val="tx1">
-                    <a:lumMod val="75000"/>
-                    <a:lumOff val="25000"/>
-                  </a:schemeClr>
-                </a:solidFill>
-              </a:rPr>
-              <a:t>Leveraging Applications of Formal Methods, Verification, and Validation</a:t>
-            </a:r>
-            <a:r>
-              <a:rPr lang="en-US" dirty="0" smtClean="0">
-                <a:solidFill>
-                  <a:schemeClr val="tx1">
-                    <a:lumMod val="75000"/>
-                    <a:lumOff val="25000"/>
-                  </a:schemeClr>
-                </a:solidFill>
-              </a:rPr>
-              <a:t> (2010): 673-686.</a:t>
-            </a:r>
-          </a:p>
-          <a:p>
-            <a:endParaRPr lang="en-US" dirty="0" smtClean="0">
-              <a:solidFill>
-                <a:schemeClr val="tx1">
-                  <a:lumMod val="75000"/>
-                  <a:lumOff val="25000"/>
-                </a:schemeClr>
-              </a:solidFill>
-            </a:endParaRPr>
-          </a:p>
-          <a:p>
-            <a:r>
-              <a:rPr lang="en-US" dirty="0" err="1" smtClean="0">
-                <a:solidFill>
-                  <a:schemeClr val="tx1">
-                    <a:lumMod val="75000"/>
-                    <a:lumOff val="25000"/>
-                  </a:schemeClr>
-                </a:solidFill>
-              </a:rPr>
-              <a:t>Vaandrager</a:t>
-            </a:r>
-            <a:r>
-              <a:rPr lang="en-US" dirty="0" smtClean="0">
-                <a:solidFill>
-                  <a:schemeClr val="tx1">
-                    <a:lumMod val="75000"/>
-                    <a:lumOff val="25000"/>
-                  </a:schemeClr>
-                </a:solidFill>
-              </a:rPr>
-              <a:t>, Frits. "</a:t>
-            </a:r>
-            <a:r>
-              <a:rPr lang="en-US" u="sng" dirty="0" smtClean="0">
-                <a:solidFill>
-                  <a:schemeClr val="tx1">
-                    <a:lumMod val="75000"/>
-                    <a:lumOff val="25000"/>
-                  </a:schemeClr>
-                </a:solidFill>
-              </a:rPr>
-              <a:t>Model learning</a:t>
-            </a:r>
-            <a:r>
-              <a:rPr lang="en-US" dirty="0" smtClean="0">
-                <a:solidFill>
-                  <a:schemeClr val="tx1">
-                    <a:lumMod val="75000"/>
-                    <a:lumOff val="25000"/>
-                  </a:schemeClr>
-                </a:solidFill>
-              </a:rPr>
-              <a:t>." </a:t>
-            </a:r>
-            <a:r>
-              <a:rPr lang="en-US" i="1" dirty="0" smtClean="0">
-                <a:solidFill>
-                  <a:schemeClr val="tx1">
-                    <a:lumMod val="75000"/>
-                    <a:lumOff val="25000"/>
-                  </a:schemeClr>
-                </a:solidFill>
-              </a:rPr>
-              <a:t>Communications of the ACM</a:t>
-            </a:r>
-            <a:r>
-              <a:rPr lang="en-US" dirty="0" smtClean="0">
-                <a:solidFill>
-                  <a:schemeClr val="tx1">
-                    <a:lumMod val="75000"/>
-                    <a:lumOff val="25000"/>
-                  </a:schemeClr>
-                </a:solidFill>
-              </a:rPr>
-              <a:t> 60.2 (2017): 86-95.</a:t>
-            </a:r>
-          </a:p>
-          <a:p>
-            <a:endParaRPr lang="nl-NL" dirty="0" smtClean="0"/>
-          </a:p>
-          <a:p>
-            <a:endParaRPr lang="en-US" dirty="0"/>
           </a:p>
         </p:txBody>
       </p:sp>
@@ -3988,80 +4019,9 @@
   <p:timing>
     <p:tnLst>
       <p:par>
-        <p:cTn id="1" dur="indefinite" restart="never" nodeType="tmRoot">
-          <p:childTnLst>
-            <p:seq concurrent="1" nextAc="seek">
-              <p:cTn id="2" dur="indefinite" nodeType="mainSeq">
-                <p:childTnLst>
-                  <p:par>
-                    <p:cTn id="3" fill="hold">
-                      <p:stCondLst>
-                        <p:cond delay="indefinite"/>
-                      </p:stCondLst>
-                      <p:childTnLst>
-                        <p:par>
-                          <p:cTn id="4" fill="hold">
-                            <p:stCondLst>
-                              <p:cond delay="0"/>
-                            </p:stCondLst>
-                            <p:childTnLst>
-                              <p:par>
-                                <p:cTn id="5" presetID="1" presetClass="entr" presetSubtype="0" fill="hold" grpId="0" nodeType="clickEffect">
-                                  <p:stCondLst>
-                                    <p:cond delay="0"/>
-                                  </p:stCondLst>
-                                  <p:childTnLst>
-                                    <p:set>
-                                      <p:cBhvr>
-                                        <p:cTn id="6" dur="1" fill="hold">
-                                          <p:stCondLst>
-                                            <p:cond delay="0"/>
-                                          </p:stCondLst>
-                                        </p:cTn>
-                                        <p:tgtEl>
-                                          <p:spTgt spid="5"/>
-                                        </p:tgtEl>
-                                        <p:attrNameLst>
-                                          <p:attrName>style.visibility</p:attrName>
-                                        </p:attrNameLst>
-                                      </p:cBhvr>
-                                      <p:to>
-                                        <p:strVal val="visible"/>
-                                      </p:to>
-                                    </p:set>
-                                  </p:childTnLst>
-                                </p:cTn>
-                              </p:par>
-                            </p:childTnLst>
-                          </p:cTn>
-                        </p:par>
-                      </p:childTnLst>
-                    </p:cTn>
-                  </p:par>
-                </p:childTnLst>
-              </p:cTn>
-              <p:prevCondLst>
-                <p:cond evt="onPrev" delay="0">
-                  <p:tgtEl>
-                    <p:sldTgt/>
-                  </p:tgtEl>
-                </p:cond>
-              </p:prevCondLst>
-              <p:nextCondLst>
-                <p:cond evt="onNext" delay="0">
-                  <p:tgtEl>
-                    <p:sldTgt/>
-                  </p:tgtEl>
-                </p:cond>
-              </p:nextCondLst>
-            </p:seq>
-          </p:childTnLst>
-        </p:cTn>
+        <p:cTn id="1" dur="indefinite" restart="never" nodeType="tmRoot"/>
       </p:par>
     </p:tnLst>
-    <p:bldLst>
-      <p:bldP spid="5" grpId="0"/>
-    </p:bldLst>
   </p:timing>
 </p:sld>
 </file>
@@ -4120,6 +4080,88 @@
         <p:txBody>
           <a:bodyPr/>
           <a:lstStyle/>
+          <a:p>
+            <a:r>
+              <a:rPr lang="nl-NL" dirty="0" err="1" smtClean="0"/>
+              <a:t>Transducing</a:t>
+            </a:r>
+            <a:r>
+              <a:rPr lang="nl-NL" dirty="0" smtClean="0"/>
+              <a:t> </a:t>
+            </a:r>
+            <a:r>
+              <a:rPr lang="nl-NL" dirty="0" err="1" smtClean="0"/>
+              <a:t>can</a:t>
+            </a:r>
+            <a:r>
+              <a:rPr lang="nl-NL" dirty="0" smtClean="0"/>
+              <a:t> </a:t>
+            </a:r>
+            <a:r>
+              <a:rPr lang="nl-NL" dirty="0" err="1" smtClean="0"/>
+              <a:t>successfully</a:t>
+            </a:r>
+            <a:r>
+              <a:rPr lang="nl-NL" dirty="0" smtClean="0"/>
+              <a:t> </a:t>
+            </a:r>
+            <a:r>
+              <a:rPr lang="nl-NL" dirty="0" err="1" smtClean="0"/>
+              <a:t>be</a:t>
+            </a:r>
+            <a:r>
+              <a:rPr lang="nl-NL" dirty="0" smtClean="0"/>
+              <a:t> </a:t>
+            </a:r>
+            <a:r>
+              <a:rPr lang="nl-NL" dirty="0" err="1" smtClean="0"/>
+              <a:t>used</a:t>
+            </a:r>
+            <a:endParaRPr lang="nl-NL" dirty="0" smtClean="0"/>
+          </a:p>
+          <a:p>
+            <a:endParaRPr lang="nl-NL" dirty="0"/>
+          </a:p>
+          <a:p>
+            <a:r>
+              <a:rPr lang="nl-NL" dirty="0" err="1" smtClean="0"/>
+              <a:t>Yet</a:t>
+            </a:r>
+            <a:r>
+              <a:rPr lang="nl-NL" dirty="0" smtClean="0"/>
+              <a:t> </a:t>
+            </a:r>
+            <a:r>
+              <a:rPr lang="nl-NL" dirty="0" err="1" smtClean="0"/>
+              <a:t>another</a:t>
+            </a:r>
+            <a:r>
+              <a:rPr lang="nl-NL" dirty="0" smtClean="0"/>
+              <a:t> case </a:t>
+            </a:r>
+            <a:r>
+              <a:rPr lang="nl-NL" dirty="0" err="1" smtClean="0"/>
+              <a:t>study</a:t>
+            </a:r>
+            <a:endParaRPr lang="nl-NL" dirty="0" smtClean="0"/>
+          </a:p>
+          <a:p>
+            <a:endParaRPr lang="nl-NL" dirty="0"/>
+          </a:p>
+          <a:p>
+            <a:r>
+              <a:rPr lang="nl-NL" dirty="0" smtClean="0"/>
+              <a:t>Time </a:t>
+            </a:r>
+            <a:r>
+              <a:rPr lang="nl-NL" dirty="0" err="1" smtClean="0"/>
+              <a:t>speedup</a:t>
+            </a:r>
+            <a:endParaRPr lang="nl-NL" dirty="0" smtClean="0"/>
+          </a:p>
+          <a:p>
+            <a:endParaRPr lang="nl-NL" dirty="0"/>
+          </a:p>
           <a:p>
             <a:endParaRPr lang="en-US" dirty="0"/>
           </a:p>
@@ -4172,30 +4214,20 @@
             <p:ph type="title"/>
           </p:nvPr>
         </p:nvSpPr>
-        <p:spPr/>
+        <p:spPr>
+          <a:xfrm>
+            <a:off x="4001912" y="2803349"/>
+            <a:ext cx="1089378" cy="1143000"/>
+          </a:xfrm>
+        </p:spPr>
         <p:txBody>
           <a:bodyPr/>
           <a:lstStyle/>
           <a:p>
-            <a:endParaRPr lang="en-US" dirty="0"/>
-          </a:p>
-        </p:txBody>
-      </p:sp>
-      <p:sp>
-        <p:nvSpPr>
-          <p:cNvPr id="3" name="Content Placeholder 2"/>
-          <p:cNvSpPr>
-            <a:spLocks noGrp="1"/>
-          </p:cNvSpPr>
-          <p:nvPr>
-            <p:ph idx="1"/>
-          </p:nvPr>
-        </p:nvSpPr>
-        <p:spPr/>
-        <p:txBody>
-          <a:bodyPr/>
-          <a:lstStyle/>
-          <a:p>
+            <a:r>
+              <a:rPr lang="nl-NL" dirty="0" smtClean="0"/>
+              <a:t>End</a:t>
+            </a:r>
             <a:endParaRPr lang="en-US" dirty="0"/>
           </a:p>
         </p:txBody>
@@ -4237,6 +4269,47 @@
           <a:chExt cx="0" cy="0"/>
         </a:xfrm>
       </p:grpSpPr>
+      <p:pic>
+        <p:nvPicPr>
+          <p:cNvPr id="1026" name="Picture 2" descr="https://i5.walmartimages.com/asr/23d55fec-4891-4288-9145-fe9493425fbf_1.ae9e6950e05c9dcd3cad50cad5c223d3.jpeg"/>
+          <p:cNvPicPr>
+            <a:picLocks noChangeAspect="1" noChangeArrowheads="1"/>
+          </p:cNvPicPr>
+          <p:nvPr/>
+        </p:nvPicPr>
+        <p:blipFill>
+          <a:blip r:embed="rId3">
+            <a:extLst>
+              <a:ext uri="{28A0092B-C50C-407E-A947-70E740481C1C}">
+                <a14:useLocalDpi xmlns:a14="http://schemas.microsoft.com/office/drawing/2010/main" val="0"/>
+              </a:ext>
+            </a:extLst>
+          </a:blip>
+          <a:srcRect/>
+          <a:stretch>
+            <a:fillRect/>
+          </a:stretch>
+        </p:blipFill>
+        <p:spPr bwMode="auto">
+          <a:xfrm>
+            <a:off x="1302985" y="1138987"/>
+            <a:ext cx="6333490" cy="6333490"/>
+          </a:xfrm>
+          <a:prstGeom prst="rect">
+            <a:avLst/>
+          </a:prstGeom>
+          <a:noFill/>
+          <a:extLst>
+            <a:ext uri="{909E8E84-426E-40DD-AFC4-6F175D3DCCD1}">
+              <a14:hiddenFill xmlns:a14="http://schemas.microsoft.com/office/drawing/2010/main">
+                <a:solidFill>
+                  <a:srgbClr val="FFFFFF"/>
+                </a:solidFill>
+              </a14:hiddenFill>
+            </a:ext>
+          </a:extLst>
+        </p:spPr>
+      </p:pic>
       <p:sp>
         <p:nvSpPr>
           <p:cNvPr id="2" name="Title 1"/>
@@ -4254,77 +4327,7 @@
           <a:p>
             <a:r>
               <a:rPr lang="nl-NL" dirty="0" err="1" smtClean="0"/>
-              <a:t>Outline</a:t>
-            </a:r>
-            <a:endParaRPr lang="en-US" dirty="0"/>
-          </a:p>
-        </p:txBody>
-      </p:sp>
-      <p:sp>
-        <p:nvSpPr>
-          <p:cNvPr id="3" name="Content Placeholder 2"/>
-          <p:cNvSpPr>
-            <a:spLocks noGrp="1"/>
-          </p:cNvSpPr>
-          <p:nvPr>
-            <p:ph idx="1"/>
-          </p:nvPr>
-        </p:nvSpPr>
-        <p:spPr/>
-        <p:txBody>
-          <a:bodyPr/>
-          <a:lstStyle/>
-          <a:p>
-            <a:r>
-              <a:rPr lang="nl-NL" dirty="0" smtClean="0"/>
-              <a:t>Model of a Model</a:t>
-            </a:r>
-          </a:p>
-          <a:p>
-            <a:r>
-              <a:rPr lang="nl-NL" dirty="0" smtClean="0"/>
-              <a:t>L-STAR</a:t>
-            </a:r>
-          </a:p>
-          <a:p>
-            <a:endParaRPr lang="nl-NL" dirty="0"/>
-          </a:p>
-          <a:p>
-            <a:r>
-              <a:rPr lang="nl-NL" dirty="0" err="1"/>
-              <a:t>Biometric</a:t>
-            </a:r>
-            <a:r>
-              <a:rPr lang="nl-NL" dirty="0"/>
-              <a:t> Passport</a:t>
-            </a:r>
-          </a:p>
-          <a:p>
-            <a:r>
-              <a:rPr lang="nl-NL" dirty="0" err="1" smtClean="0"/>
-              <a:t>Abstraction</a:t>
-            </a:r>
-            <a:endParaRPr lang="nl-NL" dirty="0" smtClean="0"/>
-          </a:p>
-          <a:p>
-            <a:r>
-              <a:rPr lang="nl-NL" dirty="0" err="1" smtClean="0"/>
-              <a:t>Results</a:t>
-            </a:r>
-            <a:r>
-              <a:rPr lang="nl-NL" dirty="0" smtClean="0"/>
-              <a:t> + </a:t>
-            </a:r>
-            <a:r>
-              <a:rPr lang="nl-NL" dirty="0" err="1" smtClean="0"/>
-              <a:t>Validation</a:t>
-            </a:r>
-            <a:endParaRPr lang="nl-NL" dirty="0" smtClean="0"/>
-          </a:p>
-          <a:p>
-            <a:r>
-              <a:rPr lang="nl-NL" dirty="0" err="1" smtClean="0"/>
-              <a:t>Conclusion</a:t>
+              <a:t>Introduction</a:t>
             </a:r>
             <a:endParaRPr lang="en-US" dirty="0"/>
           </a:p>
@@ -4333,7 +4336,7 @@
     </p:spTree>
     <p:extLst>
       <p:ext uri="{BB962C8B-B14F-4D97-AF65-F5344CB8AC3E}">
-        <p14:creationId xmlns:p14="http://schemas.microsoft.com/office/powerpoint/2010/main" val="2739464900"/>
+        <p14:creationId xmlns:p14="http://schemas.microsoft.com/office/powerpoint/2010/main" val="3939127491"/>
       </p:ext>
     </p:extLst>
   </p:cSld>
@@ -4384,7 +4387,7 @@
           <a:p>
             <a:r>
               <a:rPr lang="nl-NL" dirty="0" err="1" smtClean="0"/>
-              <a:t>Introduction</a:t>
+              <a:t>Outline</a:t>
             </a:r>
             <a:endParaRPr lang="en-US" dirty="0"/>
           </a:p>
@@ -4405,14 +4408,280 @@
           <a:bodyPr/>
           <a:lstStyle/>
           <a:p>
+            <a:r>
+              <a:rPr lang="nl-NL" dirty="0" smtClean="0"/>
+              <a:t>Model of a Model</a:t>
+            </a:r>
+          </a:p>
+          <a:p>
+            <a:r>
+              <a:rPr lang="nl-NL" dirty="0" smtClean="0"/>
+              <a:t>L-STAR</a:t>
+            </a:r>
+          </a:p>
+          <a:p>
+            <a:endParaRPr lang="nl-NL" dirty="0"/>
+          </a:p>
+          <a:p>
+            <a:r>
+              <a:rPr lang="nl-NL" dirty="0" err="1"/>
+              <a:t>Biometric</a:t>
+            </a:r>
+            <a:r>
+              <a:rPr lang="nl-NL" dirty="0"/>
+              <a:t> Passport</a:t>
+            </a:r>
+          </a:p>
+          <a:p>
+            <a:r>
+              <a:rPr lang="nl-NL" dirty="0" err="1" smtClean="0"/>
+              <a:t>Abstraction</a:t>
+            </a:r>
+            <a:endParaRPr lang="nl-NL" dirty="0" smtClean="0"/>
+          </a:p>
+          <a:p>
+            <a:r>
+              <a:rPr lang="nl-NL" dirty="0" err="1" smtClean="0"/>
+              <a:t>Results</a:t>
+            </a:r>
+            <a:r>
+              <a:rPr lang="nl-NL" dirty="0" smtClean="0"/>
+              <a:t> + </a:t>
+            </a:r>
+            <a:r>
+              <a:rPr lang="nl-NL" dirty="0" err="1" smtClean="0"/>
+              <a:t>Validation</a:t>
+            </a:r>
+            <a:endParaRPr lang="nl-NL" dirty="0" smtClean="0"/>
+          </a:p>
+          <a:p>
+            <a:r>
+              <a:rPr lang="nl-NL" dirty="0" err="1" smtClean="0"/>
+              <a:t>Conclusion</a:t>
+            </a:r>
             <a:endParaRPr lang="en-US" dirty="0"/>
+          </a:p>
+        </p:txBody>
+      </p:sp>
+      <p:sp>
+        <p:nvSpPr>
+          <p:cNvPr id="4" name="Rectangle 3"/>
+          <p:cNvSpPr/>
+          <p:nvPr/>
+        </p:nvSpPr>
+        <p:spPr>
+          <a:xfrm>
+            <a:off x="4476044" y="1600200"/>
+            <a:ext cx="4667956" cy="646331"/>
+          </a:xfrm>
+          <a:prstGeom prst="rect">
+            <a:avLst/>
+          </a:prstGeom>
+        </p:spPr>
+        <p:txBody>
+          <a:bodyPr wrap="square">
+            <a:spAutoFit/>
+          </a:bodyPr>
+          <a:lstStyle/>
+          <a:p>
+            <a:r>
+              <a:rPr lang="en-US" dirty="0" err="1">
+                <a:solidFill>
+                  <a:schemeClr val="tx1">
+                    <a:lumMod val="75000"/>
+                    <a:lumOff val="25000"/>
+                  </a:schemeClr>
+                </a:solidFill>
+              </a:rPr>
+              <a:t>Vaandrager</a:t>
+            </a:r>
+            <a:r>
+              <a:rPr lang="en-US" dirty="0">
+                <a:solidFill>
+                  <a:schemeClr val="tx1">
+                    <a:lumMod val="75000"/>
+                    <a:lumOff val="25000"/>
+                  </a:schemeClr>
+                </a:solidFill>
+              </a:rPr>
+              <a:t>, Frits. "</a:t>
+            </a:r>
+            <a:r>
+              <a:rPr lang="en-US" u="sng" dirty="0" smtClean="0">
+                <a:solidFill>
+                  <a:schemeClr val="tx1">
+                    <a:lumMod val="75000"/>
+                    <a:lumOff val="25000"/>
+                  </a:schemeClr>
+                </a:solidFill>
+              </a:rPr>
+              <a:t>Model Learning</a:t>
+            </a:r>
+            <a:r>
+              <a:rPr lang="en-US" dirty="0" smtClean="0">
+                <a:solidFill>
+                  <a:schemeClr val="tx1">
+                    <a:lumMod val="75000"/>
+                    <a:lumOff val="25000"/>
+                  </a:schemeClr>
+                </a:solidFill>
+              </a:rPr>
+              <a:t>.“</a:t>
+            </a:r>
+          </a:p>
+          <a:p>
+            <a:r>
+              <a:rPr lang="en-US" i="1" dirty="0" smtClean="0">
+                <a:solidFill>
+                  <a:schemeClr val="tx1">
+                    <a:lumMod val="75000"/>
+                    <a:lumOff val="25000"/>
+                  </a:schemeClr>
+                </a:solidFill>
+              </a:rPr>
+              <a:t>Communications </a:t>
+            </a:r>
+            <a:r>
+              <a:rPr lang="en-US" i="1" dirty="0">
+                <a:solidFill>
+                  <a:schemeClr val="tx1">
+                    <a:lumMod val="75000"/>
+                    <a:lumOff val="25000"/>
+                  </a:schemeClr>
+                </a:solidFill>
+              </a:rPr>
+              <a:t>of the ACM</a:t>
+            </a:r>
+            <a:r>
+              <a:rPr lang="en-US" dirty="0">
+                <a:solidFill>
+                  <a:schemeClr val="tx1">
+                    <a:lumMod val="75000"/>
+                    <a:lumOff val="25000"/>
+                  </a:schemeClr>
+                </a:solidFill>
+              </a:rPr>
+              <a:t> 60.2 (2017): 86-95.</a:t>
+            </a:r>
+          </a:p>
+        </p:txBody>
+      </p:sp>
+      <p:sp>
+        <p:nvSpPr>
+          <p:cNvPr id="5" name="Rectangle 4"/>
+          <p:cNvSpPr/>
+          <p:nvPr/>
+        </p:nvSpPr>
+        <p:spPr>
+          <a:xfrm>
+            <a:off x="4476044" y="3124517"/>
+            <a:ext cx="4667956" cy="1477328"/>
+          </a:xfrm>
+          <a:prstGeom prst="rect">
+            <a:avLst/>
+          </a:prstGeom>
+        </p:spPr>
+        <p:txBody>
+          <a:bodyPr wrap="square">
+            <a:spAutoFit/>
+          </a:bodyPr>
+          <a:lstStyle/>
+          <a:p>
+            <a:r>
+              <a:rPr lang="en-US" dirty="0" err="1">
+                <a:solidFill>
+                  <a:schemeClr val="tx1">
+                    <a:lumMod val="75000"/>
+                    <a:lumOff val="25000"/>
+                  </a:schemeClr>
+                </a:solidFill>
+              </a:rPr>
+              <a:t>Aarts</a:t>
+            </a:r>
+            <a:r>
+              <a:rPr lang="en-US" dirty="0">
+                <a:solidFill>
+                  <a:schemeClr val="tx1">
+                    <a:lumMod val="75000"/>
+                    <a:lumOff val="25000"/>
+                  </a:schemeClr>
+                </a:solidFill>
+              </a:rPr>
+              <a:t>, Fides, Julien Schmaltz, and Frits </a:t>
+            </a:r>
+            <a:r>
+              <a:rPr lang="en-US" dirty="0" err="1">
+                <a:solidFill>
+                  <a:schemeClr val="tx1">
+                    <a:lumMod val="75000"/>
+                    <a:lumOff val="25000"/>
+                  </a:schemeClr>
+                </a:solidFill>
+              </a:rPr>
+              <a:t>Vaandrager</a:t>
+            </a:r>
+            <a:r>
+              <a:rPr lang="en-US" dirty="0">
+                <a:solidFill>
+                  <a:schemeClr val="tx1">
+                    <a:lumMod val="75000"/>
+                    <a:lumOff val="25000"/>
+                  </a:schemeClr>
+                </a:solidFill>
+              </a:rPr>
+              <a:t>. "</a:t>
+            </a:r>
+            <a:r>
+              <a:rPr lang="en-US" u="sng" dirty="0">
+                <a:solidFill>
+                  <a:schemeClr val="tx1">
+                    <a:lumMod val="75000"/>
+                    <a:lumOff val="25000"/>
+                  </a:schemeClr>
+                </a:solidFill>
+              </a:rPr>
+              <a:t>Inference and abstraction of the biometric passport</a:t>
+            </a:r>
+            <a:r>
+              <a:rPr lang="en-US" dirty="0">
+                <a:solidFill>
+                  <a:schemeClr val="tx1">
+                    <a:lumMod val="75000"/>
+                    <a:lumOff val="25000"/>
+                  </a:schemeClr>
+                </a:solidFill>
+              </a:rPr>
+              <a:t>." </a:t>
+            </a:r>
+            <a:r>
+              <a:rPr lang="en-US" i="1" dirty="0">
+                <a:solidFill>
+                  <a:schemeClr val="tx1">
+                    <a:lumMod val="75000"/>
+                    <a:lumOff val="25000"/>
+                  </a:schemeClr>
+                </a:solidFill>
+              </a:rPr>
+              <a:t>Leveraging Applications of Formal Methods, Verification, and Validation</a:t>
+            </a:r>
+            <a:r>
+              <a:rPr lang="en-US" dirty="0">
+                <a:solidFill>
+                  <a:schemeClr val="tx1">
+                    <a:lumMod val="75000"/>
+                    <a:lumOff val="25000"/>
+                  </a:schemeClr>
+                </a:solidFill>
+              </a:rPr>
+              <a:t> (2010): 673-686.</a:t>
+            </a:r>
           </a:p>
         </p:txBody>
       </p:sp>
     </p:spTree>
     <p:extLst>
       <p:ext uri="{BB962C8B-B14F-4D97-AF65-F5344CB8AC3E}">
-        <p14:creationId xmlns:p14="http://schemas.microsoft.com/office/powerpoint/2010/main" val="3939127491"/>
+        <p14:creationId xmlns:p14="http://schemas.microsoft.com/office/powerpoint/2010/main" val="2739464900"/>
       </p:ext>
     </p:extLst>
   </p:cSld>
@@ -4738,6 +5007,276 @@
                       </p:childTnLst>
                     </p:cTn>
                   </p:par>
+                  <p:par>
+                    <p:cTn id="7" fill="hold">
+                      <p:stCondLst>
+                        <p:cond delay="indefinite"/>
+                      </p:stCondLst>
+                      <p:childTnLst>
+                        <p:par>
+                          <p:cTn id="8" fill="hold">
+                            <p:stCondLst>
+                              <p:cond delay="0"/>
+                            </p:stCondLst>
+                            <p:childTnLst>
+                              <p:par>
+                                <p:cTn id="9" presetID="1" presetClass="entr" presetSubtype="0" fill="hold" nodeType="clickEffect">
+                                  <p:stCondLst>
+                                    <p:cond delay="0"/>
+                                  </p:stCondLst>
+                                  <p:childTnLst>
+                                    <p:set>
+                                      <p:cBhvr>
+                                        <p:cTn id="10" dur="1" fill="hold">
+                                          <p:stCondLst>
+                                            <p:cond delay="0"/>
+                                          </p:stCondLst>
+                                        </p:cTn>
+                                        <p:tgtEl>
+                                          <p:spTgt spid="14"/>
+                                        </p:tgtEl>
+                                        <p:attrNameLst>
+                                          <p:attrName>style.visibility</p:attrName>
+                                        </p:attrNameLst>
+                                      </p:cBhvr>
+                                      <p:to>
+                                        <p:strVal val="visible"/>
+                                      </p:to>
+                                    </p:set>
+                                  </p:childTnLst>
+                                </p:cTn>
+                              </p:par>
+                            </p:childTnLst>
+                          </p:cTn>
+                        </p:par>
+                      </p:childTnLst>
+                    </p:cTn>
+                  </p:par>
+                  <p:par>
+                    <p:cTn id="11" fill="hold">
+                      <p:stCondLst>
+                        <p:cond delay="indefinite"/>
+                      </p:stCondLst>
+                      <p:childTnLst>
+                        <p:par>
+                          <p:cTn id="12" fill="hold">
+                            <p:stCondLst>
+                              <p:cond delay="0"/>
+                            </p:stCondLst>
+                            <p:childTnLst>
+                              <p:par>
+                                <p:cTn id="13" presetID="1" presetClass="entr" presetSubtype="0" fill="hold" nodeType="clickEffect">
+                                  <p:stCondLst>
+                                    <p:cond delay="0"/>
+                                  </p:stCondLst>
+                                  <p:childTnLst>
+                                    <p:set>
+                                      <p:cBhvr>
+                                        <p:cTn id="14" dur="1" fill="hold">
+                                          <p:stCondLst>
+                                            <p:cond delay="0"/>
+                                          </p:stCondLst>
+                                        </p:cTn>
+                                        <p:tgtEl>
+                                          <p:spTgt spid="7"/>
+                                        </p:tgtEl>
+                                        <p:attrNameLst>
+                                          <p:attrName>style.visibility</p:attrName>
+                                        </p:attrNameLst>
+                                      </p:cBhvr>
+                                      <p:to>
+                                        <p:strVal val="visible"/>
+                                      </p:to>
+                                    </p:set>
+                                  </p:childTnLst>
+                                </p:cTn>
+                              </p:par>
+                            </p:childTnLst>
+                          </p:cTn>
+                        </p:par>
+                      </p:childTnLst>
+                    </p:cTn>
+                  </p:par>
+                  <p:par>
+                    <p:cTn id="15" fill="hold">
+                      <p:stCondLst>
+                        <p:cond delay="indefinite"/>
+                      </p:stCondLst>
+                      <p:childTnLst>
+                        <p:par>
+                          <p:cTn id="16" fill="hold">
+                            <p:stCondLst>
+                              <p:cond delay="0"/>
+                            </p:stCondLst>
+                            <p:childTnLst>
+                              <p:par>
+                                <p:cTn id="17" presetID="1" presetClass="entr" presetSubtype="0" fill="hold" nodeType="clickEffect">
+                                  <p:stCondLst>
+                                    <p:cond delay="0"/>
+                                  </p:stCondLst>
+                                  <p:childTnLst>
+                                    <p:set>
+                                      <p:cBhvr>
+                                        <p:cTn id="18" dur="1" fill="hold">
+                                          <p:stCondLst>
+                                            <p:cond delay="0"/>
+                                          </p:stCondLst>
+                                        </p:cTn>
+                                        <p:tgtEl>
+                                          <p:spTgt spid="8"/>
+                                        </p:tgtEl>
+                                        <p:attrNameLst>
+                                          <p:attrName>style.visibility</p:attrName>
+                                        </p:attrNameLst>
+                                      </p:cBhvr>
+                                      <p:to>
+                                        <p:strVal val="visible"/>
+                                      </p:to>
+                                    </p:set>
+                                  </p:childTnLst>
+                                </p:cTn>
+                              </p:par>
+                            </p:childTnLst>
+                          </p:cTn>
+                        </p:par>
+                      </p:childTnLst>
+                    </p:cTn>
+                  </p:par>
+                  <p:par>
+                    <p:cTn id="19" fill="hold">
+                      <p:stCondLst>
+                        <p:cond delay="indefinite"/>
+                      </p:stCondLst>
+                      <p:childTnLst>
+                        <p:par>
+                          <p:cTn id="20" fill="hold">
+                            <p:stCondLst>
+                              <p:cond delay="0"/>
+                            </p:stCondLst>
+                            <p:childTnLst>
+                              <p:par>
+                                <p:cTn id="21" presetID="1" presetClass="entr" presetSubtype="0" fill="hold" nodeType="clickEffect">
+                                  <p:stCondLst>
+                                    <p:cond delay="0"/>
+                                  </p:stCondLst>
+                                  <p:childTnLst>
+                                    <p:set>
+                                      <p:cBhvr>
+                                        <p:cTn id="22" dur="1" fill="hold">
+                                          <p:stCondLst>
+                                            <p:cond delay="0"/>
+                                          </p:stCondLst>
+                                        </p:cTn>
+                                        <p:tgtEl>
+                                          <p:spTgt spid="11"/>
+                                        </p:tgtEl>
+                                        <p:attrNameLst>
+                                          <p:attrName>style.visibility</p:attrName>
+                                        </p:attrNameLst>
+                                      </p:cBhvr>
+                                      <p:to>
+                                        <p:strVal val="visible"/>
+                                      </p:to>
+                                    </p:set>
+                                  </p:childTnLst>
+                                </p:cTn>
+                              </p:par>
+                            </p:childTnLst>
+                          </p:cTn>
+                        </p:par>
+                      </p:childTnLst>
+                    </p:cTn>
+                  </p:par>
+                  <p:par>
+                    <p:cTn id="23" fill="hold">
+                      <p:stCondLst>
+                        <p:cond delay="indefinite"/>
+                      </p:stCondLst>
+                      <p:childTnLst>
+                        <p:par>
+                          <p:cTn id="24" fill="hold">
+                            <p:stCondLst>
+                              <p:cond delay="0"/>
+                            </p:stCondLst>
+                            <p:childTnLst>
+                              <p:par>
+                                <p:cTn id="25" presetID="1" presetClass="entr" presetSubtype="0" fill="hold" nodeType="clickEffect">
+                                  <p:stCondLst>
+                                    <p:cond delay="0"/>
+                                  </p:stCondLst>
+                                  <p:childTnLst>
+                                    <p:set>
+                                      <p:cBhvr>
+                                        <p:cTn id="26" dur="1" fill="hold">
+                                          <p:stCondLst>
+                                            <p:cond delay="0"/>
+                                          </p:stCondLst>
+                                        </p:cTn>
+                                        <p:tgtEl>
+                                          <p:spTgt spid="12"/>
+                                        </p:tgtEl>
+                                        <p:attrNameLst>
+                                          <p:attrName>style.visibility</p:attrName>
+                                        </p:attrNameLst>
+                                      </p:cBhvr>
+                                      <p:to>
+                                        <p:strVal val="visible"/>
+                                      </p:to>
+                                    </p:set>
+                                  </p:childTnLst>
+                                </p:cTn>
+                              </p:par>
+                            </p:childTnLst>
+                          </p:cTn>
+                        </p:par>
+                      </p:childTnLst>
+                    </p:cTn>
+                  </p:par>
+                  <p:par>
+                    <p:cTn id="27" fill="hold">
+                      <p:stCondLst>
+                        <p:cond delay="indefinite"/>
+                      </p:stCondLst>
+                      <p:childTnLst>
+                        <p:par>
+                          <p:cTn id="28" fill="hold">
+                            <p:stCondLst>
+                              <p:cond delay="0"/>
+                            </p:stCondLst>
+                            <p:childTnLst>
+                              <p:par>
+                                <p:cTn id="29" presetID="1" presetClass="entr" presetSubtype="0" fill="hold" nodeType="clickEffect">
+                                  <p:stCondLst>
+                                    <p:cond delay="0"/>
+                                  </p:stCondLst>
+                                  <p:childTnLst>
+                                    <p:set>
+                                      <p:cBhvr>
+                                        <p:cTn id="30" dur="1" fill="hold">
+                                          <p:stCondLst>
+                                            <p:cond delay="0"/>
+                                          </p:stCondLst>
+                                        </p:cTn>
+                                        <p:tgtEl>
+                                          <p:spTgt spid="15"/>
+                                        </p:tgtEl>
+                                        <p:attrNameLst>
+                                          <p:attrName>style.visibility</p:attrName>
+                                        </p:attrNameLst>
+                                      </p:cBhvr>
+                                      <p:to>
+                                        <p:strVal val="visible"/>
+                                      </p:to>
+                                    </p:set>
+                                  </p:childTnLst>
+                                </p:cTn>
+                              </p:par>
+                            </p:childTnLst>
+                          </p:cTn>
+                        </p:par>
+                      </p:childTnLst>
+                    </p:cTn>
+                  </p:par>
                 </p:childTnLst>
               </p:cTn>
               <p:prevCondLst>
@@ -4818,6 +5357,584 @@
           <a:bodyPr/>
           <a:lstStyle/>
           <a:p>
+            <a:r>
+              <a:rPr lang="nl-NL" dirty="0" err="1" smtClean="0"/>
+              <a:t>Minimally</a:t>
+            </a:r>
+            <a:r>
+              <a:rPr lang="nl-NL" dirty="0" smtClean="0"/>
+              <a:t> Adequate Teacher</a:t>
+            </a:r>
+          </a:p>
+          <a:p>
+            <a:endParaRPr lang="en-US" dirty="0"/>
+          </a:p>
+        </p:txBody>
+      </p:sp>
+      <p:sp>
+        <p:nvSpPr>
+          <p:cNvPr id="4" name="Rounded Rectangle 3"/>
+          <p:cNvSpPr/>
+          <p:nvPr/>
+        </p:nvSpPr>
+        <p:spPr>
+          <a:xfrm>
+            <a:off x="1555668" y="3550722"/>
+            <a:ext cx="1983179" cy="1045028"/>
+          </a:xfrm>
+          <a:prstGeom prst="roundRect">
+            <a:avLst/>
+          </a:prstGeom>
+        </p:spPr>
+        <p:style>
+          <a:lnRef idx="2">
+            <a:schemeClr val="dk1"/>
+          </a:lnRef>
+          <a:fillRef idx="1">
+            <a:schemeClr val="lt1"/>
+          </a:fillRef>
+          <a:effectRef idx="0">
+            <a:schemeClr val="dk1"/>
+          </a:effectRef>
+          <a:fontRef idx="minor">
+            <a:schemeClr val="dk1"/>
+          </a:fontRef>
+        </p:style>
+        <p:txBody>
+          <a:bodyPr rtlCol="0" anchor="ctr"/>
+          <a:lstStyle/>
+          <a:p>
+            <a:pPr algn="ctr"/>
+            <a:endParaRPr lang="en-US"/>
+          </a:p>
+        </p:txBody>
+      </p:sp>
+      <p:sp>
+        <p:nvSpPr>
+          <p:cNvPr id="5" name="Rounded Rectangle 4"/>
+          <p:cNvSpPr/>
+          <p:nvPr/>
+        </p:nvSpPr>
+        <p:spPr>
+          <a:xfrm>
+            <a:off x="5569527" y="3550721"/>
+            <a:ext cx="1826821" cy="1045028"/>
+          </a:xfrm>
+          <a:prstGeom prst="roundRect">
+            <a:avLst/>
+          </a:prstGeom>
+        </p:spPr>
+        <p:style>
+          <a:lnRef idx="2">
+            <a:schemeClr val="dk1"/>
+          </a:lnRef>
+          <a:fillRef idx="1">
+            <a:schemeClr val="lt1"/>
+          </a:fillRef>
+          <a:effectRef idx="0">
+            <a:schemeClr val="dk1"/>
+          </a:effectRef>
+          <a:fontRef idx="minor">
+            <a:schemeClr val="dk1"/>
+          </a:fontRef>
+        </p:style>
+        <p:txBody>
+          <a:bodyPr rtlCol="0" anchor="ctr"/>
+          <a:lstStyle/>
+          <a:p>
+            <a:pPr algn="ctr"/>
+            <a:endParaRPr lang="en-US"/>
+          </a:p>
+        </p:txBody>
+      </p:sp>
+      <p:sp>
+        <p:nvSpPr>
+          <p:cNvPr id="6" name="Oval 5"/>
+          <p:cNvSpPr/>
+          <p:nvPr/>
+        </p:nvSpPr>
+        <p:spPr>
+          <a:xfrm>
+            <a:off x="2131620" y="2363190"/>
+            <a:ext cx="831273" cy="771896"/>
+          </a:xfrm>
+          <a:prstGeom prst="ellipse">
+            <a:avLst/>
+          </a:prstGeom>
+        </p:spPr>
+        <p:style>
+          <a:lnRef idx="2">
+            <a:schemeClr val="dk1"/>
+          </a:lnRef>
+          <a:fillRef idx="1">
+            <a:schemeClr val="lt1"/>
+          </a:fillRef>
+          <a:effectRef idx="0">
+            <a:schemeClr val="dk1"/>
+          </a:effectRef>
+          <a:fontRef idx="minor">
+            <a:schemeClr val="dk1"/>
+          </a:fontRef>
+        </p:style>
+        <p:txBody>
+          <a:bodyPr rtlCol="0" anchor="ctr"/>
+          <a:lstStyle/>
+          <a:p>
+            <a:pPr algn="ctr"/>
+            <a:endParaRPr lang="en-US"/>
+          </a:p>
+        </p:txBody>
+      </p:sp>
+      <p:sp>
+        <p:nvSpPr>
+          <p:cNvPr id="7" name="Oval 6"/>
+          <p:cNvSpPr/>
+          <p:nvPr/>
+        </p:nvSpPr>
+        <p:spPr>
+          <a:xfrm>
+            <a:off x="6067300" y="2363190"/>
+            <a:ext cx="831273" cy="771896"/>
+          </a:xfrm>
+          <a:prstGeom prst="ellipse">
+            <a:avLst/>
+          </a:prstGeom>
+        </p:spPr>
+        <p:style>
+          <a:lnRef idx="2">
+            <a:schemeClr val="dk1"/>
+          </a:lnRef>
+          <a:fillRef idx="1">
+            <a:schemeClr val="lt1"/>
+          </a:fillRef>
+          <a:effectRef idx="0">
+            <a:schemeClr val="dk1"/>
+          </a:effectRef>
+          <a:fontRef idx="minor">
+            <a:schemeClr val="dk1"/>
+          </a:fontRef>
+        </p:style>
+        <p:txBody>
+          <a:bodyPr rtlCol="0" anchor="ctr"/>
+          <a:lstStyle/>
+          <a:p>
+            <a:pPr algn="ctr"/>
+            <a:endParaRPr lang="en-US"/>
+          </a:p>
+        </p:txBody>
+      </p:sp>
+      <p:cxnSp>
+        <p:nvCxnSpPr>
+          <p:cNvPr id="9" name="Straight Connector 8"/>
+          <p:cNvCxnSpPr>
+            <a:stCxn id="6" idx="4"/>
+          </p:cNvCxnSpPr>
+          <p:nvPr/>
+        </p:nvCxnSpPr>
+        <p:spPr>
+          <a:xfrm>
+            <a:off x="2547257" y="3135086"/>
+            <a:ext cx="0" cy="415636"/>
+          </a:xfrm>
+          <a:prstGeom prst="line">
+            <a:avLst/>
+          </a:prstGeom>
+          <a:ln>
+            <a:prstDash val="dash"/>
+          </a:ln>
+        </p:spPr>
+        <p:style>
+          <a:lnRef idx="2">
+            <a:schemeClr val="dk1"/>
+          </a:lnRef>
+          <a:fillRef idx="0">
+            <a:schemeClr val="dk1"/>
+          </a:fillRef>
+          <a:effectRef idx="1">
+            <a:schemeClr val="dk1"/>
+          </a:effectRef>
+          <a:fontRef idx="minor">
+            <a:schemeClr val="tx1"/>
+          </a:fontRef>
+        </p:style>
+      </p:cxnSp>
+      <p:cxnSp>
+        <p:nvCxnSpPr>
+          <p:cNvPr id="10" name="Straight Connector 9"/>
+          <p:cNvCxnSpPr/>
+          <p:nvPr/>
+        </p:nvCxnSpPr>
+        <p:spPr>
+          <a:xfrm>
+            <a:off x="6498770" y="3107377"/>
+            <a:ext cx="0" cy="415636"/>
+          </a:xfrm>
+          <a:prstGeom prst="line">
+            <a:avLst/>
+          </a:prstGeom>
+          <a:ln>
+            <a:prstDash val="dash"/>
+          </a:ln>
+        </p:spPr>
+        <p:style>
+          <a:lnRef idx="2">
+            <a:schemeClr val="dk1"/>
+          </a:lnRef>
+          <a:fillRef idx="0">
+            <a:schemeClr val="dk1"/>
+          </a:fillRef>
+          <a:effectRef idx="1">
+            <a:schemeClr val="dk1"/>
+          </a:effectRef>
+          <a:fontRef idx="minor">
+            <a:schemeClr val="tx1"/>
+          </a:fontRef>
+        </p:style>
+      </p:cxnSp>
+      <p:sp>
+        <p:nvSpPr>
+          <p:cNvPr id="11" name="TextBox 10"/>
+          <p:cNvSpPr txBox="1"/>
+          <p:nvPr/>
+        </p:nvSpPr>
+        <p:spPr>
+          <a:xfrm>
+            <a:off x="2339439" y="2458192"/>
+            <a:ext cx="380010" cy="523220"/>
+          </a:xfrm>
+          <a:prstGeom prst="rect">
+            <a:avLst/>
+          </a:prstGeom>
+          <a:noFill/>
+        </p:spPr>
+        <p:txBody>
+          <a:bodyPr wrap="square" rtlCol="0">
+            <a:spAutoFit/>
+          </a:bodyPr>
+          <a:lstStyle/>
+          <a:p>
+            <a:r>
+              <a:rPr lang="nl-NL" sz="2800" dirty="0" smtClean="0"/>
+              <a:t>H</a:t>
+            </a:r>
+            <a:endParaRPr lang="en-US" sz="2800" dirty="0"/>
+          </a:p>
+        </p:txBody>
+      </p:sp>
+      <p:sp>
+        <p:nvSpPr>
+          <p:cNvPr id="12" name="TextBox 11"/>
+          <p:cNvSpPr txBox="1"/>
+          <p:nvPr/>
+        </p:nvSpPr>
+        <p:spPr>
+          <a:xfrm>
+            <a:off x="6292931" y="2491134"/>
+            <a:ext cx="380010" cy="523220"/>
+          </a:xfrm>
+          <a:prstGeom prst="rect">
+            <a:avLst/>
+          </a:prstGeom>
+          <a:noFill/>
+        </p:spPr>
+        <p:txBody>
+          <a:bodyPr wrap="square" rtlCol="0">
+            <a:spAutoFit/>
+          </a:bodyPr>
+          <a:lstStyle/>
+          <a:p>
+            <a:r>
+              <a:rPr lang="nl-NL" sz="2800" dirty="0" smtClean="0"/>
+              <a:t>M</a:t>
+            </a:r>
+            <a:endParaRPr lang="en-US" sz="2800" dirty="0"/>
+          </a:p>
+        </p:txBody>
+      </p:sp>
+      <p:sp>
+        <p:nvSpPr>
+          <p:cNvPr id="13" name="TextBox 12"/>
+          <p:cNvSpPr txBox="1"/>
+          <p:nvPr/>
+        </p:nvSpPr>
+        <p:spPr>
+          <a:xfrm>
+            <a:off x="2006929" y="3842403"/>
+            <a:ext cx="1698172" cy="461665"/>
+          </a:xfrm>
+          <a:prstGeom prst="rect">
+            <a:avLst/>
+          </a:prstGeom>
+          <a:noFill/>
+        </p:spPr>
+        <p:txBody>
+          <a:bodyPr wrap="square" rtlCol="0">
+            <a:spAutoFit/>
+          </a:bodyPr>
+          <a:lstStyle/>
+          <a:p>
+            <a:r>
+              <a:rPr lang="nl-NL" sz="2400" dirty="0" err="1" smtClean="0"/>
+              <a:t>learner</a:t>
+            </a:r>
+            <a:endParaRPr lang="en-US" sz="2400" dirty="0"/>
+          </a:p>
+        </p:txBody>
+      </p:sp>
+      <p:sp>
+        <p:nvSpPr>
+          <p:cNvPr id="15" name="TextBox 14"/>
+          <p:cNvSpPr txBox="1"/>
+          <p:nvPr/>
+        </p:nvSpPr>
+        <p:spPr>
+          <a:xfrm>
+            <a:off x="5878284" y="3826554"/>
+            <a:ext cx="1698172" cy="461665"/>
+          </a:xfrm>
+          <a:prstGeom prst="rect">
+            <a:avLst/>
+          </a:prstGeom>
+          <a:noFill/>
+        </p:spPr>
+        <p:txBody>
+          <a:bodyPr wrap="square" rtlCol="0">
+            <a:spAutoFit/>
+          </a:bodyPr>
+          <a:lstStyle/>
+          <a:p>
+            <a:r>
+              <a:rPr lang="nl-NL" sz="2400" dirty="0" smtClean="0"/>
+              <a:t>teacher</a:t>
+            </a:r>
+            <a:endParaRPr lang="en-US" sz="2400" dirty="0"/>
+          </a:p>
+        </p:txBody>
+      </p:sp>
+      <p:cxnSp>
+        <p:nvCxnSpPr>
+          <p:cNvPr id="17" name="Straight Arrow Connector 16"/>
+          <p:cNvCxnSpPr>
+            <a:endCxn id="5" idx="1"/>
+          </p:cNvCxnSpPr>
+          <p:nvPr/>
+        </p:nvCxnSpPr>
+        <p:spPr>
+          <a:xfrm>
+            <a:off x="3538847" y="4057386"/>
+            <a:ext cx="2030680" cy="15849"/>
+          </a:xfrm>
+          <a:prstGeom prst="straightConnector1">
+            <a:avLst/>
+          </a:prstGeom>
+          <a:ln w="38100">
+            <a:tailEnd type="triangle"/>
+          </a:ln>
+        </p:spPr>
+        <p:style>
+          <a:lnRef idx="2">
+            <a:schemeClr val="dk1"/>
+          </a:lnRef>
+          <a:fillRef idx="0">
+            <a:schemeClr val="dk1"/>
+          </a:fillRef>
+          <a:effectRef idx="1">
+            <a:schemeClr val="dk1"/>
+          </a:effectRef>
+          <a:fontRef idx="minor">
+            <a:schemeClr val="tx1"/>
+          </a:fontRef>
+        </p:style>
+      </p:cxnSp>
+      <p:sp>
+        <p:nvSpPr>
+          <p:cNvPr id="18" name="Content Placeholder 2"/>
+          <p:cNvSpPr txBox="1">
+            <a:spLocks/>
+          </p:cNvSpPr>
+          <p:nvPr/>
+        </p:nvSpPr>
+        <p:spPr>
+          <a:xfrm>
+            <a:off x="2962893" y="4369846"/>
+            <a:ext cx="8358329" cy="4525963"/>
+          </a:xfrm>
+          <a:prstGeom prst="rect">
+            <a:avLst/>
+          </a:prstGeom>
+        </p:spPr>
+        <p:txBody>
+          <a:bodyPr vert="horz" lIns="91440" tIns="45720" rIns="91440" bIns="45720" rtlCol="0">
+            <a:normAutofit/>
+          </a:bodyPr>
+          <a:lstStyle>
+            <a:lvl1pPr marL="342900" indent="-342900" algn="l" defTabSz="457200" rtl="0" eaLnBrk="1" latinLnBrk="0" hangingPunct="1">
+              <a:spcBef>
+                <a:spcPct val="20000"/>
+              </a:spcBef>
+              <a:buClr>
+                <a:srgbClr val="00A6D6"/>
+              </a:buClr>
+              <a:buFont typeface="Arial"/>
+              <a:buChar char="•"/>
+              <a:defRPr sz="2800" kern="1200">
+                <a:solidFill>
+                  <a:schemeClr val="tx1"/>
+                </a:solidFill>
+                <a:latin typeface="Arial"/>
+                <a:ea typeface="+mn-ea"/>
+                <a:cs typeface="Arial"/>
+              </a:defRPr>
+            </a:lvl1pPr>
+            <a:lvl2pPr marL="742950" indent="-285750" algn="l" defTabSz="457200" rtl="0" eaLnBrk="1" latinLnBrk="0" hangingPunct="1">
+              <a:spcBef>
+                <a:spcPct val="20000"/>
+              </a:spcBef>
+              <a:buClr>
+                <a:srgbClr val="00A6D6"/>
+              </a:buClr>
+              <a:buFont typeface="Arial"/>
+              <a:buChar char="–"/>
+              <a:defRPr sz="2400" kern="1200">
+                <a:solidFill>
+                  <a:schemeClr val="tx1"/>
+                </a:solidFill>
+                <a:latin typeface="Arial"/>
+                <a:ea typeface="+mn-ea"/>
+                <a:cs typeface="Arial"/>
+              </a:defRPr>
+            </a:lvl2pPr>
+            <a:lvl3pPr marL="1143000" indent="-228600" algn="l" defTabSz="457200" rtl="0" eaLnBrk="1" latinLnBrk="0" hangingPunct="1">
+              <a:spcBef>
+                <a:spcPct val="20000"/>
+              </a:spcBef>
+              <a:buClr>
+                <a:srgbClr val="00A6D6"/>
+              </a:buClr>
+              <a:buFont typeface="Arial"/>
+              <a:buChar char="•"/>
+              <a:defRPr sz="2400" kern="1200">
+                <a:solidFill>
+                  <a:schemeClr val="tx1"/>
+                </a:solidFill>
+                <a:latin typeface="Arial"/>
+                <a:ea typeface="+mn-ea"/>
+                <a:cs typeface="Arial"/>
+              </a:defRPr>
+            </a:lvl3pPr>
+            <a:lvl4pPr marL="1600200" indent="-228600" algn="l" defTabSz="457200" rtl="0" eaLnBrk="1" latinLnBrk="0" hangingPunct="1">
+              <a:spcBef>
+                <a:spcPct val="20000"/>
+              </a:spcBef>
+              <a:buFont typeface="Arial"/>
+              <a:buChar char="–"/>
+              <a:defRPr sz="2000" kern="1200">
+                <a:solidFill>
+                  <a:schemeClr val="tx1"/>
+                </a:solidFill>
+                <a:latin typeface="Arial"/>
+                <a:ea typeface="+mn-ea"/>
+                <a:cs typeface="Arial"/>
+              </a:defRPr>
+            </a:lvl4pPr>
+            <a:lvl5pPr marL="2057400" indent="-228600" algn="l" defTabSz="457200" rtl="0" eaLnBrk="1" latinLnBrk="0" hangingPunct="1">
+              <a:spcBef>
+                <a:spcPct val="20000"/>
+              </a:spcBef>
+              <a:buFont typeface="Arial"/>
+              <a:buChar char="»"/>
+              <a:defRPr sz="2000" kern="1200">
+                <a:solidFill>
+                  <a:schemeClr val="tx1"/>
+                </a:solidFill>
+                <a:latin typeface="Arial"/>
+                <a:ea typeface="+mn-ea"/>
+                <a:cs typeface="Arial"/>
+              </a:defRPr>
+            </a:lvl5pPr>
+            <a:lvl6pPr marL="2514600" indent="-228600" algn="l" defTabSz="457200" rtl="0" eaLnBrk="1" latinLnBrk="0" hangingPunct="1">
+              <a:spcBef>
+                <a:spcPct val="20000"/>
+              </a:spcBef>
+              <a:buFont typeface="Arial"/>
+              <a:buChar char="•"/>
+              <a:defRPr sz="2000" kern="1200">
+                <a:solidFill>
+                  <a:schemeClr val="tx1"/>
+                </a:solidFill>
+                <a:latin typeface="+mn-lt"/>
+                <a:ea typeface="+mn-ea"/>
+                <a:cs typeface="+mn-cs"/>
+              </a:defRPr>
+            </a:lvl6pPr>
+            <a:lvl7pPr marL="2971800" indent="-228600" algn="l" defTabSz="457200" rtl="0" eaLnBrk="1" latinLnBrk="0" hangingPunct="1">
+              <a:spcBef>
+                <a:spcPct val="20000"/>
+              </a:spcBef>
+              <a:buFont typeface="Arial"/>
+              <a:buChar char="•"/>
+              <a:defRPr sz="2000" kern="1200">
+                <a:solidFill>
+                  <a:schemeClr val="tx1"/>
+                </a:solidFill>
+                <a:latin typeface="+mn-lt"/>
+                <a:ea typeface="+mn-ea"/>
+                <a:cs typeface="+mn-cs"/>
+              </a:defRPr>
+            </a:lvl7pPr>
+            <a:lvl8pPr marL="3429000" indent="-228600" algn="l" defTabSz="457200" rtl="0" eaLnBrk="1" latinLnBrk="0" hangingPunct="1">
+              <a:spcBef>
+                <a:spcPct val="20000"/>
+              </a:spcBef>
+              <a:buFont typeface="Arial"/>
+              <a:buChar char="•"/>
+              <a:defRPr sz="2000" kern="1200">
+                <a:solidFill>
+                  <a:schemeClr val="tx1"/>
+                </a:solidFill>
+                <a:latin typeface="+mn-lt"/>
+                <a:ea typeface="+mn-ea"/>
+                <a:cs typeface="+mn-cs"/>
+              </a:defRPr>
+            </a:lvl8pPr>
+            <a:lvl9pPr marL="3886200" indent="-228600" algn="l" defTabSz="457200" rtl="0" eaLnBrk="1" latinLnBrk="0" hangingPunct="1">
+              <a:spcBef>
+                <a:spcPct val="20000"/>
+              </a:spcBef>
+              <a:buFont typeface="Arial"/>
+              <a:buChar char="•"/>
+              <a:defRPr sz="2000" kern="1200">
+                <a:solidFill>
+                  <a:schemeClr val="tx1"/>
+                </a:solidFill>
+                <a:latin typeface="+mn-lt"/>
+                <a:ea typeface="+mn-ea"/>
+                <a:cs typeface="+mn-cs"/>
+              </a:defRPr>
+            </a:lvl9pPr>
+          </a:lstStyle>
+          <a:p>
+            <a:endParaRPr lang="nl-NL" dirty="0" smtClean="0"/>
+          </a:p>
+          <a:p>
+            <a:r>
+              <a:rPr lang="nl-NL" dirty="0" err="1" smtClean="0"/>
+              <a:t>Membership</a:t>
+            </a:r>
+            <a:r>
+              <a:rPr lang="nl-NL" dirty="0" smtClean="0"/>
+              <a:t> Query</a:t>
+            </a:r>
+          </a:p>
+          <a:p>
+            <a:r>
+              <a:rPr lang="nl-NL" dirty="0" err="1" smtClean="0"/>
+              <a:t>Equivalence</a:t>
+            </a:r>
+            <a:r>
+              <a:rPr lang="nl-NL" dirty="0" smtClean="0"/>
+              <a:t> Query</a:t>
+            </a:r>
             <a:endParaRPr lang="en-US" dirty="0"/>
           </a:p>
         </p:txBody>
@@ -4835,9 +5952,471 @@
   <p:timing>
     <p:tnLst>
       <p:par>
-        <p:cTn id="1" dur="indefinite" restart="never" nodeType="tmRoot"/>
+        <p:cTn id="1" dur="indefinite" restart="never" nodeType="tmRoot">
+          <p:childTnLst>
+            <p:seq concurrent="1" nextAc="seek">
+              <p:cTn id="2" dur="indefinite" nodeType="mainSeq">
+                <p:childTnLst>
+                  <p:par>
+                    <p:cTn id="3" fill="hold">
+                      <p:stCondLst>
+                        <p:cond delay="indefinite"/>
+                      </p:stCondLst>
+                      <p:childTnLst>
+                        <p:par>
+                          <p:cTn id="4" fill="hold">
+                            <p:stCondLst>
+                              <p:cond delay="0"/>
+                            </p:stCondLst>
+                            <p:childTnLst>
+                              <p:par>
+                                <p:cTn id="5" presetID="1" presetClass="entr" presetSubtype="0" fill="hold" grpId="0" nodeType="clickEffect">
+                                  <p:stCondLst>
+                                    <p:cond delay="0"/>
+                                  </p:stCondLst>
+                                  <p:childTnLst>
+                                    <p:set>
+                                      <p:cBhvr>
+                                        <p:cTn id="6" dur="1" fill="hold">
+                                          <p:stCondLst>
+                                            <p:cond delay="0"/>
+                                          </p:stCondLst>
+                                        </p:cTn>
+                                        <p:tgtEl>
+                                          <p:spTgt spid="3">
+                                            <p:txEl>
+                                              <p:pRg st="0" end="0"/>
+                                            </p:txEl>
+                                          </p:spTgt>
+                                        </p:tgtEl>
+                                        <p:attrNameLst>
+                                          <p:attrName>style.visibility</p:attrName>
+                                        </p:attrNameLst>
+                                      </p:cBhvr>
+                                      <p:to>
+                                        <p:strVal val="visible"/>
+                                      </p:to>
+                                    </p:set>
+                                  </p:childTnLst>
+                                </p:cTn>
+                              </p:par>
+                            </p:childTnLst>
+                          </p:cTn>
+                        </p:par>
+                      </p:childTnLst>
+                    </p:cTn>
+                  </p:par>
+                  <p:par>
+                    <p:cTn id="7" fill="hold">
+                      <p:stCondLst>
+                        <p:cond delay="indefinite"/>
+                      </p:stCondLst>
+                      <p:childTnLst>
+                        <p:par>
+                          <p:cTn id="8" fill="hold">
+                            <p:stCondLst>
+                              <p:cond delay="0"/>
+                            </p:stCondLst>
+                            <p:childTnLst>
+                              <p:par>
+                                <p:cTn id="9" presetID="1" presetClass="entr" presetSubtype="0" fill="hold" grpId="0" nodeType="clickEffect">
+                                  <p:stCondLst>
+                                    <p:cond delay="0"/>
+                                  </p:stCondLst>
+                                  <p:childTnLst>
+                                    <p:set>
+                                      <p:cBhvr>
+                                        <p:cTn id="10" dur="1" fill="hold">
+                                          <p:stCondLst>
+                                            <p:cond delay="0"/>
+                                          </p:stCondLst>
+                                        </p:cTn>
+                                        <p:tgtEl>
+                                          <p:spTgt spid="5"/>
+                                        </p:tgtEl>
+                                        <p:attrNameLst>
+                                          <p:attrName>style.visibility</p:attrName>
+                                        </p:attrNameLst>
+                                      </p:cBhvr>
+                                      <p:to>
+                                        <p:strVal val="visible"/>
+                                      </p:to>
+                                    </p:set>
+                                  </p:childTnLst>
+                                </p:cTn>
+                              </p:par>
+                              <p:par>
+                                <p:cTn id="11" presetID="1" presetClass="entr" presetSubtype="0" fill="hold" grpId="0" nodeType="withEffect">
+                                  <p:stCondLst>
+                                    <p:cond delay="0"/>
+                                  </p:stCondLst>
+                                  <p:childTnLst>
+                                    <p:set>
+                                      <p:cBhvr>
+                                        <p:cTn id="12" dur="1" fill="hold">
+                                          <p:stCondLst>
+                                            <p:cond delay="0"/>
+                                          </p:stCondLst>
+                                        </p:cTn>
+                                        <p:tgtEl>
+                                          <p:spTgt spid="15"/>
+                                        </p:tgtEl>
+                                        <p:attrNameLst>
+                                          <p:attrName>style.visibility</p:attrName>
+                                        </p:attrNameLst>
+                                      </p:cBhvr>
+                                      <p:to>
+                                        <p:strVal val="visible"/>
+                                      </p:to>
+                                    </p:set>
+                                  </p:childTnLst>
+                                </p:cTn>
+                              </p:par>
+                              <p:par>
+                                <p:cTn id="13" presetID="1" presetClass="entr" presetSubtype="0" fill="hold" nodeType="withEffect">
+                                  <p:stCondLst>
+                                    <p:cond delay="0"/>
+                                  </p:stCondLst>
+                                  <p:childTnLst>
+                                    <p:set>
+                                      <p:cBhvr>
+                                        <p:cTn id="14" dur="1" fill="hold">
+                                          <p:stCondLst>
+                                            <p:cond delay="0"/>
+                                          </p:stCondLst>
+                                        </p:cTn>
+                                        <p:tgtEl>
+                                          <p:spTgt spid="10"/>
+                                        </p:tgtEl>
+                                        <p:attrNameLst>
+                                          <p:attrName>style.visibility</p:attrName>
+                                        </p:attrNameLst>
+                                      </p:cBhvr>
+                                      <p:to>
+                                        <p:strVal val="visible"/>
+                                      </p:to>
+                                    </p:set>
+                                  </p:childTnLst>
+                                </p:cTn>
+                              </p:par>
+                              <p:par>
+                                <p:cTn id="15" presetID="1" presetClass="entr" presetSubtype="0" fill="hold" grpId="0" nodeType="withEffect">
+                                  <p:stCondLst>
+                                    <p:cond delay="0"/>
+                                  </p:stCondLst>
+                                  <p:childTnLst>
+                                    <p:set>
+                                      <p:cBhvr>
+                                        <p:cTn id="16" dur="1" fill="hold">
+                                          <p:stCondLst>
+                                            <p:cond delay="0"/>
+                                          </p:stCondLst>
+                                        </p:cTn>
+                                        <p:tgtEl>
+                                          <p:spTgt spid="7"/>
+                                        </p:tgtEl>
+                                        <p:attrNameLst>
+                                          <p:attrName>style.visibility</p:attrName>
+                                        </p:attrNameLst>
+                                      </p:cBhvr>
+                                      <p:to>
+                                        <p:strVal val="visible"/>
+                                      </p:to>
+                                    </p:set>
+                                  </p:childTnLst>
+                                </p:cTn>
+                              </p:par>
+                              <p:par>
+                                <p:cTn id="17" presetID="1" presetClass="entr" presetSubtype="0" fill="hold" grpId="0" nodeType="withEffect">
+                                  <p:stCondLst>
+                                    <p:cond delay="0"/>
+                                  </p:stCondLst>
+                                  <p:childTnLst>
+                                    <p:set>
+                                      <p:cBhvr>
+                                        <p:cTn id="18" dur="1" fill="hold">
+                                          <p:stCondLst>
+                                            <p:cond delay="0"/>
+                                          </p:stCondLst>
+                                        </p:cTn>
+                                        <p:tgtEl>
+                                          <p:spTgt spid="12"/>
+                                        </p:tgtEl>
+                                        <p:attrNameLst>
+                                          <p:attrName>style.visibility</p:attrName>
+                                        </p:attrNameLst>
+                                      </p:cBhvr>
+                                      <p:to>
+                                        <p:strVal val="visible"/>
+                                      </p:to>
+                                    </p:set>
+                                  </p:childTnLst>
+                                </p:cTn>
+                              </p:par>
+                            </p:childTnLst>
+                          </p:cTn>
+                        </p:par>
+                      </p:childTnLst>
+                    </p:cTn>
+                  </p:par>
+                  <p:par>
+                    <p:cTn id="19" fill="hold">
+                      <p:stCondLst>
+                        <p:cond delay="indefinite"/>
+                      </p:stCondLst>
+                      <p:childTnLst>
+                        <p:par>
+                          <p:cTn id="20" fill="hold">
+                            <p:stCondLst>
+                              <p:cond delay="0"/>
+                            </p:stCondLst>
+                            <p:childTnLst>
+                              <p:par>
+                                <p:cTn id="21" presetID="1" presetClass="entr" presetSubtype="0" fill="hold" grpId="0" nodeType="clickEffect">
+                                  <p:stCondLst>
+                                    <p:cond delay="0"/>
+                                  </p:stCondLst>
+                                  <p:childTnLst>
+                                    <p:set>
+                                      <p:cBhvr>
+                                        <p:cTn id="22" dur="1" fill="hold">
+                                          <p:stCondLst>
+                                            <p:cond delay="0"/>
+                                          </p:stCondLst>
+                                        </p:cTn>
+                                        <p:tgtEl>
+                                          <p:spTgt spid="4"/>
+                                        </p:tgtEl>
+                                        <p:attrNameLst>
+                                          <p:attrName>style.visibility</p:attrName>
+                                        </p:attrNameLst>
+                                      </p:cBhvr>
+                                      <p:to>
+                                        <p:strVal val="visible"/>
+                                      </p:to>
+                                    </p:set>
+                                  </p:childTnLst>
+                                </p:cTn>
+                              </p:par>
+                              <p:par>
+                                <p:cTn id="23" presetID="1" presetClass="entr" presetSubtype="0" fill="hold" grpId="0" nodeType="withEffect">
+                                  <p:stCondLst>
+                                    <p:cond delay="0"/>
+                                  </p:stCondLst>
+                                  <p:childTnLst>
+                                    <p:set>
+                                      <p:cBhvr>
+                                        <p:cTn id="24" dur="1" fill="hold">
+                                          <p:stCondLst>
+                                            <p:cond delay="0"/>
+                                          </p:stCondLst>
+                                        </p:cTn>
+                                        <p:tgtEl>
+                                          <p:spTgt spid="13"/>
+                                        </p:tgtEl>
+                                        <p:attrNameLst>
+                                          <p:attrName>style.visibility</p:attrName>
+                                        </p:attrNameLst>
+                                      </p:cBhvr>
+                                      <p:to>
+                                        <p:strVal val="visible"/>
+                                      </p:to>
+                                    </p:set>
+                                  </p:childTnLst>
+                                </p:cTn>
+                              </p:par>
+                              <p:par>
+                                <p:cTn id="25" presetID="1" presetClass="entr" presetSubtype="0" fill="hold" nodeType="withEffect">
+                                  <p:stCondLst>
+                                    <p:cond delay="0"/>
+                                  </p:stCondLst>
+                                  <p:childTnLst>
+                                    <p:set>
+                                      <p:cBhvr>
+                                        <p:cTn id="26" dur="1" fill="hold">
+                                          <p:stCondLst>
+                                            <p:cond delay="0"/>
+                                          </p:stCondLst>
+                                        </p:cTn>
+                                        <p:tgtEl>
+                                          <p:spTgt spid="9"/>
+                                        </p:tgtEl>
+                                        <p:attrNameLst>
+                                          <p:attrName>style.visibility</p:attrName>
+                                        </p:attrNameLst>
+                                      </p:cBhvr>
+                                      <p:to>
+                                        <p:strVal val="visible"/>
+                                      </p:to>
+                                    </p:set>
+                                  </p:childTnLst>
+                                </p:cTn>
+                              </p:par>
+                              <p:par>
+                                <p:cTn id="27" presetID="1" presetClass="entr" presetSubtype="0" fill="hold" grpId="0" nodeType="withEffect">
+                                  <p:stCondLst>
+                                    <p:cond delay="0"/>
+                                  </p:stCondLst>
+                                  <p:childTnLst>
+                                    <p:set>
+                                      <p:cBhvr>
+                                        <p:cTn id="28" dur="1" fill="hold">
+                                          <p:stCondLst>
+                                            <p:cond delay="0"/>
+                                          </p:stCondLst>
+                                        </p:cTn>
+                                        <p:tgtEl>
+                                          <p:spTgt spid="6"/>
+                                        </p:tgtEl>
+                                        <p:attrNameLst>
+                                          <p:attrName>style.visibility</p:attrName>
+                                        </p:attrNameLst>
+                                      </p:cBhvr>
+                                      <p:to>
+                                        <p:strVal val="visible"/>
+                                      </p:to>
+                                    </p:set>
+                                  </p:childTnLst>
+                                </p:cTn>
+                              </p:par>
+                              <p:par>
+                                <p:cTn id="29" presetID="1" presetClass="entr" presetSubtype="0" fill="hold" grpId="0" nodeType="withEffect">
+                                  <p:stCondLst>
+                                    <p:cond delay="0"/>
+                                  </p:stCondLst>
+                                  <p:childTnLst>
+                                    <p:set>
+                                      <p:cBhvr>
+                                        <p:cTn id="30" dur="1" fill="hold">
+                                          <p:stCondLst>
+                                            <p:cond delay="0"/>
+                                          </p:stCondLst>
+                                        </p:cTn>
+                                        <p:tgtEl>
+                                          <p:spTgt spid="11"/>
+                                        </p:tgtEl>
+                                        <p:attrNameLst>
+                                          <p:attrName>style.visibility</p:attrName>
+                                        </p:attrNameLst>
+                                      </p:cBhvr>
+                                      <p:to>
+                                        <p:strVal val="visible"/>
+                                      </p:to>
+                                    </p:set>
+                                  </p:childTnLst>
+                                </p:cTn>
+                              </p:par>
+                              <p:par>
+                                <p:cTn id="31" presetID="1" presetClass="entr" presetSubtype="0" fill="hold" nodeType="withEffect">
+                                  <p:stCondLst>
+                                    <p:cond delay="0"/>
+                                  </p:stCondLst>
+                                  <p:childTnLst>
+                                    <p:set>
+                                      <p:cBhvr>
+                                        <p:cTn id="32" dur="1" fill="hold">
+                                          <p:stCondLst>
+                                            <p:cond delay="0"/>
+                                          </p:stCondLst>
+                                        </p:cTn>
+                                        <p:tgtEl>
+                                          <p:spTgt spid="17"/>
+                                        </p:tgtEl>
+                                        <p:attrNameLst>
+                                          <p:attrName>style.visibility</p:attrName>
+                                        </p:attrNameLst>
+                                      </p:cBhvr>
+                                      <p:to>
+                                        <p:strVal val="visible"/>
+                                      </p:to>
+                                    </p:set>
+                                  </p:childTnLst>
+                                </p:cTn>
+                              </p:par>
+                            </p:childTnLst>
+                          </p:cTn>
+                        </p:par>
+                      </p:childTnLst>
+                    </p:cTn>
+                  </p:par>
+                  <p:par>
+                    <p:cTn id="33" fill="hold">
+                      <p:stCondLst>
+                        <p:cond delay="indefinite"/>
+                      </p:stCondLst>
+                      <p:childTnLst>
+                        <p:par>
+                          <p:cTn id="34" fill="hold">
+                            <p:stCondLst>
+                              <p:cond delay="0"/>
+                            </p:stCondLst>
+                            <p:childTnLst>
+                              <p:par>
+                                <p:cTn id="35" presetID="1" presetClass="entr" presetSubtype="0" fill="hold" grpId="0" nodeType="clickEffect">
+                                  <p:stCondLst>
+                                    <p:cond delay="0"/>
+                                  </p:stCondLst>
+                                  <p:childTnLst>
+                                    <p:set>
+                                      <p:cBhvr>
+                                        <p:cTn id="36" dur="1" fill="hold">
+                                          <p:stCondLst>
+                                            <p:cond delay="0"/>
+                                          </p:stCondLst>
+                                        </p:cTn>
+                                        <p:tgtEl>
+                                          <p:spTgt spid="18"/>
+                                        </p:tgtEl>
+                                        <p:attrNameLst>
+                                          <p:attrName>style.visibility</p:attrName>
+                                        </p:attrNameLst>
+                                      </p:cBhvr>
+                                      <p:to>
+                                        <p:strVal val="visible"/>
+                                      </p:to>
+                                    </p:set>
+                                  </p:childTnLst>
+                                </p:cTn>
+                              </p:par>
+                            </p:childTnLst>
+                          </p:cTn>
+                        </p:par>
+                      </p:childTnLst>
+                    </p:cTn>
+                  </p:par>
+                </p:childTnLst>
+              </p:cTn>
+              <p:prevCondLst>
+                <p:cond evt="onPrev" delay="0">
+                  <p:tgtEl>
+                    <p:sldTgt/>
+                  </p:tgtEl>
+                </p:cond>
+              </p:prevCondLst>
+              <p:nextCondLst>
+                <p:cond evt="onNext" delay="0">
+                  <p:tgtEl>
+                    <p:sldTgt/>
+                  </p:tgtEl>
+                </p:cond>
+              </p:nextCondLst>
+            </p:seq>
+          </p:childTnLst>
+        </p:cTn>
       </p:par>
     </p:tnLst>
+    <p:bldLst>
+      <p:bldP spid="3" grpId="0" build="p"/>
+      <p:bldP spid="4" grpId="0" animBg="1"/>
+      <p:bldP spid="5" grpId="0" animBg="1"/>
+      <p:bldP spid="6" grpId="0" animBg="1"/>
+      <p:bldP spid="7" grpId="0" animBg="1"/>
+      <p:bldP spid="11" grpId="0"/>
+      <p:bldP spid="12" grpId="0"/>
+      <p:bldP spid="13" grpId="0"/>
+      <p:bldP spid="15" grpId="0"/>
+      <p:bldP spid="18" grpId="0"/>
+    </p:bldLst>
   </p:timing>
 </p:sld>
 </file>
@@ -5788,57 +7367,522 @@
           </a:p>
         </p:txBody>
       </p:sp>
+      <mc:AlternateContent xmlns:mc="http://schemas.openxmlformats.org/markup-compatibility/2006">
+        <mc:Choice xmlns:a14="http://schemas.microsoft.com/office/drawing/2010/main" Requires="a14">
+          <p:sp>
+            <p:nvSpPr>
+              <p:cNvPr id="3" name="Content Placeholder 2"/>
+              <p:cNvSpPr>
+                <a:spLocks noGrp="1"/>
+              </p:cNvSpPr>
+              <p:nvPr>
+                <p:ph idx="1"/>
+              </p:nvPr>
+            </p:nvSpPr>
+            <p:spPr>
+              <a:xfrm>
+                <a:off x="457200" y="1417638"/>
+                <a:ext cx="8358329" cy="4525963"/>
+              </a:xfrm>
+            </p:spPr>
+            <p:txBody>
+              <a:bodyPr>
+                <a:normAutofit/>
+              </a:bodyPr>
+              <a:lstStyle/>
+              <a:p>
+                <a:endParaRPr lang="nl-NL" dirty="0" smtClean="0"/>
+              </a:p>
+              <a:p>
+                <a14:m>
+                  <m:oMath xmlns:m="http://schemas.openxmlformats.org/officeDocument/2006/math">
+                    <m:d>
+                      <m:dPr>
+                        <m:begChr m:val="|"/>
+                        <m:endChr m:val="|"/>
+                        <m:ctrlPr>
+                          <a:rPr lang="nl-NL" i="1">
+                            <a:latin typeface="Cambria Math" panose="02040503050406030204" pitchFamily="18" charset="0"/>
+                          </a:rPr>
+                        </m:ctrlPr>
+                      </m:dPr>
+                      <m:e>
+                        <m:r>
+                          <a:rPr lang="nl-NL" i="1">
+                            <a:latin typeface="Cambria Math" panose="02040503050406030204" pitchFamily="18" charset="0"/>
+                          </a:rPr>
+                          <m:t>𝐼</m:t>
+                        </m:r>
+                      </m:e>
+                    </m:d>
+                    <m:r>
+                      <a:rPr lang="nl-NL" i="1">
+                        <a:latin typeface="Cambria Math" panose="02040503050406030204" pitchFamily="18" charset="0"/>
+                        <a:ea typeface="Cambria Math" panose="02040503050406030204" pitchFamily="18" charset="0"/>
+                      </a:rPr>
+                      <m:t>→</m:t>
+                    </m:r>
+                    <m:r>
+                      <a:rPr lang="nl-NL" i="1">
+                        <a:latin typeface="Cambria Math" panose="02040503050406030204" pitchFamily="18" charset="0"/>
+                      </a:rPr>
+                      <m:t> </m:t>
+                    </m:r>
+                    <m:r>
+                      <a:rPr lang="nl-NL" i="1">
+                        <a:latin typeface="Cambria Math" panose="02040503050406030204" pitchFamily="18" charset="0"/>
+                        <a:ea typeface="Cambria Math" panose="02040503050406030204" pitchFamily="18" charset="0"/>
+                      </a:rPr>
+                      <m:t>∞</m:t>
+                    </m:r>
+                  </m:oMath>
+                </a14:m>
+                <a:endParaRPr lang="nl-NL" dirty="0"/>
+              </a:p>
+              <a:p>
+                <a:endParaRPr lang="nl-NL" dirty="0" smtClean="0"/>
+              </a:p>
+              <a:p>
+                <a:r>
+                  <a:rPr lang="nl-NL" dirty="0" smtClean="0"/>
+                  <a:t>Transducer classes:</a:t>
+                </a:r>
+              </a:p>
+              <a:p>
+                <a:pPr lvl="1"/>
+                <a14:m>
+                  <m:oMath xmlns:m="http://schemas.openxmlformats.org/officeDocument/2006/math">
+                    <m:r>
+                      <a:rPr lang="nl-NL" i="1" dirty="0" smtClean="0">
+                        <a:latin typeface="Cambria Math" panose="02040503050406030204" pitchFamily="18" charset="0"/>
+                      </a:rPr>
+                      <m:t>𝑉𝑎𝑙𝑖𝑑𝐴𝑓𝑡𝑒𝑟𝐵𝐴𝐶</m:t>
+                    </m:r>
+                    <m:r>
+                      <a:rPr lang="nl-NL" i="1" dirty="0" smtClean="0">
+                        <a:latin typeface="Cambria Math" panose="02040503050406030204" pitchFamily="18" charset="0"/>
+                      </a:rPr>
+                      <m:t> →{257, 258}</m:t>
+                    </m:r>
+                  </m:oMath>
+                </a14:m>
+                <a:endParaRPr lang="nl-NL" dirty="0" smtClean="0"/>
+              </a:p>
+              <a:p>
+                <a:pPr lvl="1"/>
+                <a14:m>
+                  <m:oMath xmlns:m="http://schemas.openxmlformats.org/officeDocument/2006/math">
+                    <m:r>
+                      <a:rPr lang="nl-NL" i="1" dirty="0" smtClean="0">
+                        <a:latin typeface="Cambria Math" panose="02040503050406030204" pitchFamily="18" charset="0"/>
+                      </a:rPr>
+                      <m:t>𝑉𝑎𝑙𝑖𝑑𝐴𝑓𝑡𝑒𝑟𝐸𝐴𝐶</m:t>
+                    </m:r>
+                    <m:r>
+                      <a:rPr lang="nl-NL" i="1" dirty="0" smtClean="0">
+                        <a:latin typeface="Cambria Math" panose="02040503050406030204" pitchFamily="18" charset="0"/>
+                      </a:rPr>
+                      <m:t> </m:t>
+                    </m:r>
+                    <m:r>
+                      <a:rPr lang="nl-NL" i="1" dirty="0" smtClean="0">
+                        <a:latin typeface="Cambria Math" panose="02040503050406030204" pitchFamily="18" charset="0"/>
+                        <a:ea typeface="Cambria Math" panose="02040503050406030204" pitchFamily="18" charset="0"/>
+                      </a:rPr>
+                      <m:t>→</m:t>
+                    </m:r>
+                    <m:r>
+                      <a:rPr lang="nl-NL" b="0" i="1" dirty="0" smtClean="0">
+                        <a:latin typeface="Cambria Math" panose="02040503050406030204" pitchFamily="18" charset="0"/>
+                      </a:rPr>
+                      <m:t>{</m:t>
+                    </m:r>
+                    <m:r>
+                      <a:rPr lang="nl-NL" i="1" dirty="0" smtClean="0">
+                        <a:latin typeface="Cambria Math" panose="02040503050406030204" pitchFamily="18" charset="0"/>
+                      </a:rPr>
+                      <m:t>259</m:t>
+                    </m:r>
+                    <m:r>
+                      <a:rPr lang="nl-NL" b="0" i="1" dirty="0" smtClean="0">
+                        <a:latin typeface="Cambria Math" panose="02040503050406030204" pitchFamily="18" charset="0"/>
+                      </a:rPr>
+                      <m:t>}</m:t>
+                    </m:r>
+                  </m:oMath>
+                </a14:m>
+                <a:endParaRPr lang="nl-NL" dirty="0" smtClean="0"/>
+              </a:p>
+              <a:p>
+                <a:pPr lvl="1"/>
+                <a14:m>
+                  <m:oMath xmlns:m="http://schemas.openxmlformats.org/officeDocument/2006/math">
+                    <m:r>
+                      <a:rPr lang="nl-NL" i="1" dirty="0" smtClean="0">
+                        <a:latin typeface="Cambria Math" panose="02040503050406030204" pitchFamily="18" charset="0"/>
+                      </a:rPr>
+                      <m:t>𝑁𝑜𝑡𝑉𝑎𝑙𝑖𝑑</m:t>
+                    </m:r>
+                    <m:r>
+                      <a:rPr lang="nl-NL" i="1" dirty="0" smtClean="0">
+                        <a:latin typeface="Cambria Math" panose="02040503050406030204" pitchFamily="18" charset="0"/>
+                      </a:rPr>
+                      <m:t>→</m:t>
+                    </m:r>
+                    <m:d>
+                      <m:dPr>
+                        <m:begChr m:val="{"/>
+                        <m:endChr m:val="|"/>
+                        <m:ctrlPr>
+                          <a:rPr lang="nl-NL" b="0" i="1" dirty="0" smtClean="0">
+                            <a:latin typeface="Cambria Math" panose="02040503050406030204" pitchFamily="18" charset="0"/>
+                          </a:rPr>
+                        </m:ctrlPr>
+                      </m:dPr>
+                      <m:e>
+                        <m:r>
+                          <a:rPr lang="nl-NL" b="0" i="1" dirty="0" smtClean="0">
+                            <a:latin typeface="Cambria Math" panose="02040503050406030204" pitchFamily="18" charset="0"/>
+                          </a:rPr>
+                          <m:t>𝑖</m:t>
+                        </m:r>
+                        <m:r>
+                          <a:rPr lang="nl-NL" b="0" i="1" dirty="0" smtClean="0">
+                            <a:latin typeface="Cambria Math" panose="02040503050406030204" pitchFamily="18" charset="0"/>
+                          </a:rPr>
+                          <m:t> ∈</m:t>
+                        </m:r>
+                        <m:r>
+                          <a:rPr lang="nl-NL" b="0" i="1" dirty="0" smtClean="0">
+                            <a:latin typeface="Cambria Math" panose="02040503050406030204" pitchFamily="18" charset="0"/>
+                            <a:ea typeface="Cambria Math" panose="02040503050406030204" pitchFamily="18" charset="0"/>
+                          </a:rPr>
+                          <m:t>ℕ</m:t>
+                        </m:r>
+                        <m:r>
+                          <a:rPr lang="nl-NL" b="0" i="1" dirty="0" smtClean="0">
+                            <a:latin typeface="Cambria Math" panose="02040503050406030204" pitchFamily="18" charset="0"/>
+                            <a:ea typeface="Cambria Math" panose="02040503050406030204" pitchFamily="18" charset="0"/>
+                          </a:rPr>
+                          <m:t> </m:t>
+                        </m:r>
+                      </m:e>
+                    </m:d>
+                    <m:r>
+                      <a:rPr lang="nl-NL" b="0" i="1" dirty="0" smtClean="0">
+                        <a:latin typeface="Cambria Math" panose="02040503050406030204" pitchFamily="18" charset="0"/>
+                        <a:ea typeface="Cambria Math" panose="02040503050406030204" pitchFamily="18" charset="0"/>
+                      </a:rPr>
+                      <m:t>𝑖</m:t>
+                    </m:r>
+                    <m:r>
+                      <m:rPr>
+                        <m:nor/>
+                      </m:rPr>
+                      <a:rPr lang="nl-NL" b="0" i="0" dirty="0" smtClean="0">
+                        <a:latin typeface="Cambria Math" panose="02040503050406030204" pitchFamily="18" charset="0"/>
+                        <a:ea typeface="Cambria Math" panose="02040503050406030204" pitchFamily="18" charset="0"/>
+                      </a:rPr>
+                      <m:t>  </m:t>
+                    </m:r>
+                    <m:r>
+                      <m:rPr>
+                        <m:nor/>
+                      </m:rPr>
+                      <a:rPr lang="en-US"/>
+                      <m:t>∉</m:t>
+                    </m:r>
+                    <m:r>
+                      <a:rPr lang="nl-NL" b="0" i="1" smtClean="0">
+                        <a:latin typeface="Cambria Math" panose="02040503050406030204" pitchFamily="18" charset="0"/>
+                      </a:rPr>
+                      <m:t> </m:t>
+                    </m:r>
+                    <m:r>
+                      <a:rPr lang="nl-NL" b="0" i="1" dirty="0" smtClean="0">
+                        <a:latin typeface="Cambria Math" panose="02040503050406030204" pitchFamily="18" charset="0"/>
+                        <a:ea typeface="Cambria Math" panose="02040503050406030204" pitchFamily="18" charset="0"/>
+                      </a:rPr>
+                      <m:t>{257,258,259}</m:t>
+                    </m:r>
+                    <m:r>
+                      <a:rPr lang="nl-NL" b="0" i="1" dirty="0" smtClean="0">
+                        <a:latin typeface="Cambria Math" panose="02040503050406030204" pitchFamily="18" charset="0"/>
+                      </a:rPr>
+                      <m:t>}</m:t>
+                    </m:r>
+                  </m:oMath>
+                </a14:m>
+                <a:endParaRPr lang="nl-NL" dirty="0"/>
+              </a:p>
+              <a:p>
+                <a:pPr lvl="1"/>
+                <a:endParaRPr lang="nl-NL" dirty="0" smtClean="0"/>
+              </a:p>
+              <a:p>
+                <a:r>
+                  <a:rPr lang="nl-NL" dirty="0" err="1" smtClean="0"/>
+                  <a:t>Less</a:t>
+                </a:r>
+                <a:r>
+                  <a:rPr lang="nl-NL" dirty="0" smtClean="0"/>
+                  <a:t> </a:t>
+                </a:r>
+                <a:r>
+                  <a:rPr lang="nl-NL" dirty="0" err="1" smtClean="0"/>
+                  <a:t>states</a:t>
+                </a:r>
+                <a:r>
+                  <a:rPr lang="nl-NL" dirty="0" smtClean="0"/>
+                  <a:t>, </a:t>
+                </a:r>
+                <a:r>
+                  <a:rPr lang="nl-NL" dirty="0" err="1" smtClean="0"/>
+                  <a:t>less</a:t>
+                </a:r>
+                <a:r>
+                  <a:rPr lang="nl-NL" dirty="0" smtClean="0"/>
+                  <a:t> </a:t>
+                </a:r>
+                <a:r>
+                  <a:rPr lang="nl-NL" dirty="0" err="1" smtClean="0"/>
+                  <a:t>transitions</a:t>
+                </a:r>
+                <a:r>
+                  <a:rPr lang="nl-NL" dirty="0" smtClean="0"/>
+                  <a:t>, </a:t>
+                </a:r>
+                <a:r>
+                  <a:rPr lang="nl-NL" dirty="0" err="1" smtClean="0"/>
+                  <a:t>less</a:t>
+                </a:r>
+                <a:r>
+                  <a:rPr lang="nl-NL" dirty="0" smtClean="0"/>
+                  <a:t> </a:t>
+                </a:r>
+                <a:r>
+                  <a:rPr lang="nl-NL" dirty="0" err="1" smtClean="0"/>
+                  <a:t>inferring</a:t>
+                </a:r>
+                <a:r>
+                  <a:rPr lang="nl-NL" dirty="0" smtClean="0"/>
+                  <a:t> time</a:t>
+                </a:r>
+                <a:endParaRPr lang="nl-NL" dirty="0" smtClean="0"/>
+              </a:p>
+              <a:p>
+                <a:endParaRPr lang="en-US" dirty="0"/>
+              </a:p>
+            </p:txBody>
+          </p:sp>
+        </mc:Choice>
+        <mc:Fallback>
+          <p:sp>
+            <p:nvSpPr>
+              <p:cNvPr id="3" name="Content Placeholder 2"/>
+              <p:cNvSpPr>
+                <a:spLocks noGrp="1" noRot="1" noChangeAspect="1" noMove="1" noResize="1" noEditPoints="1" noAdjustHandles="1" noChangeArrowheads="1" noChangeShapeType="1" noTextEdit="1"/>
+              </p:cNvSpPr>
+              <p:nvPr>
+                <p:ph idx="1"/>
+              </p:nvPr>
+            </p:nvSpPr>
+            <p:spPr>
+              <a:xfrm>
+                <a:off x="457200" y="1417638"/>
+                <a:ext cx="8358329" cy="4525963"/>
+              </a:xfrm>
+              <a:blipFill rotWithShape="0">
+                <a:blip r:embed="rId3"/>
+                <a:stretch>
+                  <a:fillRect l="-1313"/>
+                </a:stretch>
+              </a:blipFill>
+            </p:spPr>
+            <p:txBody>
+              <a:bodyPr/>
+              <a:lstStyle/>
+              <a:p>
+                <a:r>
+                  <a:rPr lang="en-US">
+                    <a:noFill/>
+                  </a:rPr>
+                  <a:t> </a:t>
+                </a:r>
+              </a:p>
+            </p:txBody>
+          </p:sp>
+        </mc:Fallback>
+      </mc:AlternateContent>
       <p:sp>
         <p:nvSpPr>
-          <p:cNvPr id="3" name="Content Placeholder 2"/>
-          <p:cNvSpPr>
-            <a:spLocks noGrp="1"/>
+          <p:cNvPr id="4" name="Content Placeholder 2"/>
+          <p:cNvSpPr txBox="1">
+            <a:spLocks/>
           </p:cNvSpPr>
-          <p:nvPr>
-            <p:ph idx="1"/>
-          </p:nvPr>
+          <p:nvPr/>
         </p:nvSpPr>
-        <p:spPr/>
+        <p:spPr>
+          <a:xfrm>
+            <a:off x="338665" y="1851378"/>
+            <a:ext cx="8358329" cy="4525963"/>
+          </a:xfrm>
+          <a:prstGeom prst="rect">
+            <a:avLst/>
+          </a:prstGeom>
+        </p:spPr>
         <p:txBody>
-          <a:bodyPr/>
-          <a:lstStyle/>
+          <a:bodyPr vert="horz" lIns="91440" tIns="45720" rIns="91440" bIns="45720" rtlCol="0">
+            <a:normAutofit/>
+          </a:bodyPr>
+          <a:lstStyle>
+            <a:lvl1pPr marL="342900" indent="-342900" algn="l" defTabSz="457200" rtl="0" eaLnBrk="1" latinLnBrk="0" hangingPunct="1">
+              <a:spcBef>
+                <a:spcPct val="20000"/>
+              </a:spcBef>
+              <a:buClr>
+                <a:srgbClr val="00A6D6"/>
+              </a:buClr>
+              <a:buFont typeface="Arial"/>
+              <a:buChar char="•"/>
+              <a:defRPr sz="2800" kern="1200">
+                <a:solidFill>
+                  <a:schemeClr val="tx1"/>
+                </a:solidFill>
+                <a:latin typeface="Arial"/>
+                <a:ea typeface="+mn-ea"/>
+                <a:cs typeface="Arial"/>
+              </a:defRPr>
+            </a:lvl1pPr>
+            <a:lvl2pPr marL="742950" indent="-285750" algn="l" defTabSz="457200" rtl="0" eaLnBrk="1" latinLnBrk="0" hangingPunct="1">
+              <a:spcBef>
+                <a:spcPct val="20000"/>
+              </a:spcBef>
+              <a:buClr>
+                <a:srgbClr val="00A6D6"/>
+              </a:buClr>
+              <a:buFont typeface="Arial"/>
+              <a:buChar char="–"/>
+              <a:defRPr sz="2400" kern="1200">
+                <a:solidFill>
+                  <a:schemeClr val="tx1"/>
+                </a:solidFill>
+                <a:latin typeface="Arial"/>
+                <a:ea typeface="+mn-ea"/>
+                <a:cs typeface="Arial"/>
+              </a:defRPr>
+            </a:lvl2pPr>
+            <a:lvl3pPr marL="1143000" indent="-228600" algn="l" defTabSz="457200" rtl="0" eaLnBrk="1" latinLnBrk="0" hangingPunct="1">
+              <a:spcBef>
+                <a:spcPct val="20000"/>
+              </a:spcBef>
+              <a:buClr>
+                <a:srgbClr val="00A6D6"/>
+              </a:buClr>
+              <a:buFont typeface="Arial"/>
+              <a:buChar char="•"/>
+              <a:defRPr sz="2400" kern="1200">
+                <a:solidFill>
+                  <a:schemeClr val="tx1"/>
+                </a:solidFill>
+                <a:latin typeface="Arial"/>
+                <a:ea typeface="+mn-ea"/>
+                <a:cs typeface="Arial"/>
+              </a:defRPr>
+            </a:lvl3pPr>
+            <a:lvl4pPr marL="1600200" indent="-228600" algn="l" defTabSz="457200" rtl="0" eaLnBrk="1" latinLnBrk="0" hangingPunct="1">
+              <a:spcBef>
+                <a:spcPct val="20000"/>
+              </a:spcBef>
+              <a:buFont typeface="Arial"/>
+              <a:buChar char="–"/>
+              <a:defRPr sz="2000" kern="1200">
+                <a:solidFill>
+                  <a:schemeClr val="tx1"/>
+                </a:solidFill>
+                <a:latin typeface="Arial"/>
+                <a:ea typeface="+mn-ea"/>
+                <a:cs typeface="Arial"/>
+              </a:defRPr>
+            </a:lvl4pPr>
+            <a:lvl5pPr marL="2057400" indent="-228600" algn="l" defTabSz="457200" rtl="0" eaLnBrk="1" latinLnBrk="0" hangingPunct="1">
+              <a:spcBef>
+                <a:spcPct val="20000"/>
+              </a:spcBef>
+              <a:buFont typeface="Arial"/>
+              <a:buChar char="»"/>
+              <a:defRPr sz="2000" kern="1200">
+                <a:solidFill>
+                  <a:schemeClr val="tx1"/>
+                </a:solidFill>
+                <a:latin typeface="Arial"/>
+                <a:ea typeface="+mn-ea"/>
+                <a:cs typeface="Arial"/>
+              </a:defRPr>
+            </a:lvl5pPr>
+            <a:lvl6pPr marL="2514600" indent="-228600" algn="l" defTabSz="457200" rtl="0" eaLnBrk="1" latinLnBrk="0" hangingPunct="1">
+              <a:spcBef>
+                <a:spcPct val="20000"/>
+              </a:spcBef>
+              <a:buFont typeface="Arial"/>
+              <a:buChar char="•"/>
+              <a:defRPr sz="2000" kern="1200">
+                <a:solidFill>
+                  <a:schemeClr val="tx1"/>
+                </a:solidFill>
+                <a:latin typeface="+mn-lt"/>
+                <a:ea typeface="+mn-ea"/>
+                <a:cs typeface="+mn-cs"/>
+              </a:defRPr>
+            </a:lvl6pPr>
+            <a:lvl7pPr marL="2971800" indent="-228600" algn="l" defTabSz="457200" rtl="0" eaLnBrk="1" latinLnBrk="0" hangingPunct="1">
+              <a:spcBef>
+                <a:spcPct val="20000"/>
+              </a:spcBef>
+              <a:buFont typeface="Arial"/>
+              <a:buChar char="•"/>
+              <a:defRPr sz="2000" kern="1200">
+                <a:solidFill>
+                  <a:schemeClr val="tx1"/>
+                </a:solidFill>
+                <a:latin typeface="+mn-lt"/>
+                <a:ea typeface="+mn-ea"/>
+                <a:cs typeface="+mn-cs"/>
+              </a:defRPr>
+            </a:lvl7pPr>
+            <a:lvl8pPr marL="3429000" indent="-228600" algn="l" defTabSz="457200" rtl="0" eaLnBrk="1" latinLnBrk="0" hangingPunct="1">
+              <a:spcBef>
+                <a:spcPct val="20000"/>
+              </a:spcBef>
+              <a:buFont typeface="Arial"/>
+              <a:buChar char="•"/>
+              <a:defRPr sz="2000" kern="1200">
+                <a:solidFill>
+                  <a:schemeClr val="tx1"/>
+                </a:solidFill>
+                <a:latin typeface="+mn-lt"/>
+                <a:ea typeface="+mn-ea"/>
+                <a:cs typeface="+mn-cs"/>
+              </a:defRPr>
+            </a:lvl8pPr>
+            <a:lvl9pPr marL="3886200" indent="-228600" algn="l" defTabSz="457200" rtl="0" eaLnBrk="1" latinLnBrk="0" hangingPunct="1">
+              <a:spcBef>
+                <a:spcPct val="20000"/>
+              </a:spcBef>
+              <a:buFont typeface="Arial"/>
+              <a:buChar char="•"/>
+              <a:defRPr sz="2000" kern="1200">
+                <a:solidFill>
+                  <a:schemeClr val="tx1"/>
+                </a:solidFill>
+                <a:latin typeface="+mn-lt"/>
+                <a:ea typeface="+mn-ea"/>
+                <a:cs typeface="+mn-cs"/>
+              </a:defRPr>
+            </a:lvl9pPr>
+          </a:lstStyle>
           <a:p>
             <a:endParaRPr lang="nl-NL" dirty="0" smtClean="0"/>
-          </a:p>
-          <a:p>
-            <a:r>
-              <a:rPr lang="nl-NL" dirty="0" err="1" smtClean="0"/>
-              <a:t>ValidAfterBAC</a:t>
-            </a:r>
-            <a:r>
-              <a:rPr lang="nl-NL" dirty="0" smtClean="0"/>
-              <a:t> -&gt; 257, 258</a:t>
-            </a:r>
-          </a:p>
-          <a:p>
-            <a:r>
-              <a:rPr lang="nl-NL" dirty="0" err="1" smtClean="0"/>
-              <a:t>ValidAfterEAC</a:t>
-            </a:r>
-            <a:r>
-              <a:rPr lang="nl-NL" dirty="0" smtClean="0"/>
-              <a:t> -&gt; 259</a:t>
-            </a:r>
-          </a:p>
-          <a:p>
-            <a:r>
-              <a:rPr lang="nl-NL" dirty="0" err="1" smtClean="0"/>
-              <a:t>NotValid</a:t>
-            </a:r>
-            <a:r>
-              <a:rPr lang="nl-NL" dirty="0" smtClean="0"/>
-              <a:t> -&gt; </a:t>
-            </a:r>
-            <a:r>
-              <a:rPr lang="nl-NL" dirty="0" err="1" smtClean="0"/>
-              <a:t>others</a:t>
-            </a:r>
-            <a:endParaRPr lang="en-US" dirty="0"/>
           </a:p>
         </p:txBody>
       </p:sp>
@@ -6396,8 +8440,8 @@
           </a:p>
         </p:txBody>
       </p:sp>
-      <mc:AlternateContent xmlns:mc="http://schemas.openxmlformats.org/markup-compatibility/2006">
-        <mc:Choice xmlns:a14="http://schemas.microsoft.com/office/drawing/2010/main" Requires="a14">
+      <mc:AlternateContent xmlns:mc="http://schemas.openxmlformats.org/markup-compatibility/2006" xmlns:a14="http://schemas.microsoft.com/office/drawing/2010/main">
+        <mc:Choice Requires="a14">
           <p:sp>
             <p:nvSpPr>
               <p:cNvPr id="18" name="TextBox 17"/>
@@ -6420,6 +8464,7 @@
               </a:bodyPr>
               <a:lstStyle/>
               <a:p>
+                <a:pPr/>
                 <a14:m>
                   <m:oMathPara xmlns:m="http://schemas.openxmlformats.org/officeDocument/2006/math">
                     <m:oMathParaPr>
@@ -6441,7 +8486,7 @@
             </p:txBody>
           </p:sp>
         </mc:Choice>
-        <mc:Fallback>
+        <mc:Fallback xmlns="">
           <p:sp>
             <p:nvSpPr>
               <p:cNvPr id="18" name="TextBox 17"/>
@@ -6480,8 +8525,8 @@
           </p:sp>
         </mc:Fallback>
       </mc:AlternateContent>
-      <mc:AlternateContent xmlns:mc="http://schemas.openxmlformats.org/markup-compatibility/2006">
-        <mc:Choice xmlns:a14="http://schemas.microsoft.com/office/drawing/2010/main" Requires="a14">
+      <mc:AlternateContent xmlns:mc="http://schemas.openxmlformats.org/markup-compatibility/2006" xmlns:a14="http://schemas.microsoft.com/office/drawing/2010/main">
+        <mc:Choice Requires="a14">
           <p:sp>
             <p:nvSpPr>
               <p:cNvPr id="19" name="TextBox 18"/>
@@ -6504,6 +8549,7 @@
               </a:bodyPr>
               <a:lstStyle/>
               <a:p>
+                <a:pPr/>
                 <a14:m>
                   <m:oMathPara xmlns:m="http://schemas.openxmlformats.org/officeDocument/2006/math">
                     <m:oMathParaPr>
@@ -6525,7 +8571,7 @@
             </p:txBody>
           </p:sp>
         </mc:Choice>
-        <mc:Fallback>
+        <mc:Fallback xmlns="">
           <p:sp>
             <p:nvSpPr>
               <p:cNvPr id="19" name="TextBox 18"/>

--- a/Literature/Presentations/Paper presentatie 4 mei.pptx
+++ b/Literature/Presentations/Paper presentatie 4 mei.pptx
@@ -222,7 +222,7 @@
           <a:p>
             <a:fld id="{DBAE3B3E-782A-9745-8E84-372F7B6771BF}" type="datetimeFigureOut">
               <a:rPr lang="en-US" smtClean="0"/>
-              <a:t>5/3/2017</a:t>
+              <a:t>5/4/2017</a:t>
             </a:fld>
             <a:endParaRPr lang="en-US" dirty="0"/>
           </a:p>
@@ -387,7 +387,7 @@
           <a:p>
             <a:fld id="{C98F221B-3185-439B-A550-43BD07BF096B}" type="datetimeFigureOut">
               <a:rPr lang="en-US" smtClean="0"/>
-              <a:t>5/3/2017</a:t>
+              <a:t>5/4/2017</a:t>
             </a:fld>
             <a:endParaRPr lang="en-US"/>
           </a:p>
@@ -930,6 +930,16 @@
             </a:r>
           </a:p>
           <a:p>
+            <a:endParaRPr lang="nl-NL" b="1" baseline="0" dirty="0" smtClean="0"/>
+          </a:p>
+          <a:p>
+            <a:r>
+              <a:rPr lang="nl-NL" b="1" baseline="0" dirty="0" smtClean="0"/>
+              <a:t>Black microwave -&gt; black box</a:t>
+            </a:r>
+            <a:endParaRPr lang="nl-NL" b="1" baseline="0" dirty="0" smtClean="0"/>
+          </a:p>
+          <a:p>
             <a:endParaRPr lang="nl-NL" baseline="0" dirty="0" smtClean="0"/>
           </a:p>
           <a:p>
@@ -1173,6 +1183,26 @@
           <a:bodyPr/>
           <a:lstStyle/>
           <a:p>
+            <a:r>
+              <a:rPr lang="nl-NL" dirty="0" smtClean="0"/>
+              <a:t>Input</a:t>
+            </a:r>
+            <a:r>
+              <a:rPr lang="nl-NL" baseline="0" dirty="0" smtClean="0"/>
+              <a:t> </a:t>
+            </a:r>
+            <a:r>
+              <a:rPr lang="nl-NL" baseline="0" dirty="0" err="1" smtClean="0"/>
+              <a:t>readfile</a:t>
+            </a:r>
+            <a:r>
+              <a:rPr lang="nl-NL" baseline="0" dirty="0" smtClean="0"/>
+              <a:t> integer. </a:t>
+            </a:r>
+            <a:r>
+              <a:rPr lang="nl-NL" baseline="0" smtClean="0"/>
+              <a:t>Readfile 500</a:t>
+            </a:r>
             <a:endParaRPr lang="en-US" dirty="0"/>
           </a:p>
         </p:txBody>
@@ -2670,7 +2700,7 @@
           <a:p>
             <a:fld id="{462A2416-1570-3849-86F9-07F78746E1B2}" type="datetimeFigureOut">
               <a:rPr lang="en-US" smtClean="0"/>
-              <a:t>5/3/2017</a:t>
+              <a:t>5/4/2017</a:t>
             </a:fld>
             <a:endParaRPr lang="en-US" dirty="0"/>
           </a:p>
@@ -3982,14 +4012,7 @@
                 <a:latin typeface="Arial"/>
                 <a:cs typeface="Arial"/>
               </a:rPr>
-              <a:t>Model </a:t>
-            </a:r>
-            <a:r>
-              <a:rPr lang="nl-NL" sz="8800" dirty="0" smtClean="0">
-                <a:latin typeface="Arial"/>
-                <a:cs typeface="Arial"/>
-              </a:rPr>
-              <a:t>Learning</a:t>
+              <a:t>Model Learning</a:t>
             </a:r>
             <a:endParaRPr lang="en-US" sz="8800" dirty="0">
               <a:latin typeface="Arial"/>
@@ -4277,7 +4300,7 @@
           </p:cNvPicPr>
           <p:nvPr/>
         </p:nvPicPr>
-        <p:blipFill>
+        <p:blipFill rotWithShape="1">
           <a:blip r:embed="rId3">
             <a:extLst>
               <a:ext uri="{28A0092B-C50C-407E-A947-70E740481C1C}">
@@ -4285,15 +4308,13 @@
               </a:ext>
             </a:extLst>
           </a:blip>
-          <a:srcRect/>
-          <a:stretch>
-            <a:fillRect/>
-          </a:stretch>
+          <a:srcRect b="14690"/>
+          <a:stretch/>
         </p:blipFill>
         <p:spPr bwMode="auto">
           <a:xfrm>
-            <a:off x="1302985" y="1138987"/>
-            <a:ext cx="6333490" cy="6333490"/>
+            <a:off x="862732" y="0"/>
+            <a:ext cx="7407485" cy="6319319"/>
           </a:xfrm>
           <a:prstGeom prst="rect">
             <a:avLst/>
@@ -4310,29 +4331,6 @@
           </a:extLst>
         </p:spPr>
       </p:pic>
-      <p:sp>
-        <p:nvSpPr>
-          <p:cNvPr id="2" name="Title 1"/>
-          <p:cNvSpPr>
-            <a:spLocks noGrp="1"/>
-          </p:cNvSpPr>
-          <p:nvPr>
-            <p:ph type="title"/>
-          </p:nvPr>
-        </p:nvSpPr>
-        <p:spPr/>
-        <p:txBody>
-          <a:bodyPr/>
-          <a:lstStyle/>
-          <a:p>
-            <a:r>
-              <a:rPr lang="nl-NL" dirty="0" err="1" smtClean="0"/>
-              <a:t>Introduction</a:t>
-            </a:r>
-            <a:endParaRPr lang="en-US" dirty="0"/>
-          </a:p>
-        </p:txBody>
-      </p:sp>
     </p:spTree>
     <p:extLst>
       <p:ext uri="{BB962C8B-B14F-4D97-AF65-F5344CB8AC3E}">
@@ -7367,8 +7365,8 @@
           </a:p>
         </p:txBody>
       </p:sp>
-      <mc:AlternateContent xmlns:mc="http://schemas.openxmlformats.org/markup-compatibility/2006">
-        <mc:Choice xmlns:a14="http://schemas.microsoft.com/office/drawing/2010/main" Requires="a14">
+      <mc:AlternateContent xmlns:mc="http://schemas.openxmlformats.org/markup-compatibility/2006" xmlns:a14="http://schemas.microsoft.com/office/drawing/2010/main">
+        <mc:Choice Requires="a14">
           <p:sp>
             <p:nvSpPr>
               <p:cNvPr id="3" name="Content Placeholder 2"/>
@@ -7482,32 +7480,7 @@
                       <a:rPr lang="nl-NL" i="1" dirty="0" smtClean="0">
                         <a:latin typeface="Cambria Math" panose="02040503050406030204" pitchFamily="18" charset="0"/>
                       </a:rPr>
-                      <m:t> </m:t>
-                    </m:r>
-                    <m:r>
-                      <a:rPr lang="nl-NL" i="1" dirty="0" smtClean="0">
-                        <a:latin typeface="Cambria Math" panose="02040503050406030204" pitchFamily="18" charset="0"/>
-                        <a:ea typeface="Cambria Math" panose="02040503050406030204" pitchFamily="18" charset="0"/>
-                      </a:rPr>
-                      <m:t>→</m:t>
-                    </m:r>
-                    <m:r>
-                      <a:rPr lang="nl-NL" b="0" i="1" dirty="0" smtClean="0">
-                        <a:latin typeface="Cambria Math" panose="02040503050406030204" pitchFamily="18" charset="0"/>
-                      </a:rPr>
-                      <m:t>{</m:t>
-                    </m:r>
-                    <m:r>
-                      <a:rPr lang="nl-NL" i="1" dirty="0" smtClean="0">
-                        <a:latin typeface="Cambria Math" panose="02040503050406030204" pitchFamily="18" charset="0"/>
-                      </a:rPr>
-                      <m:t>259</m:t>
-                    </m:r>
-                    <m:r>
-                      <a:rPr lang="nl-NL" b="0" i="1" dirty="0" smtClean="0">
-                        <a:latin typeface="Cambria Math" panose="02040503050406030204" pitchFamily="18" charset="0"/>
-                      </a:rPr>
-                      <m:t>}</m:t>
+                      <m:t> →{259}</m:t>
                     </m:r>
                   </m:oMath>
                 </a14:m>
@@ -7668,7 +7641,6 @@
                   <a:rPr lang="nl-NL" dirty="0" smtClean="0"/>
                   <a:t> time</a:t>
                 </a:r>
-                <a:endParaRPr lang="nl-NL" dirty="0" smtClean="0"/>
               </a:p>
               <a:p>
                 <a:endParaRPr lang="en-US" dirty="0"/>
@@ -7676,7 +7648,7 @@
             </p:txBody>
           </p:sp>
         </mc:Choice>
-        <mc:Fallback>
+        <mc:Fallback xmlns="">
           <p:sp>
             <p:nvSpPr>
               <p:cNvPr id="3" name="Content Placeholder 2"/>
@@ -7899,9 +7871,275 @@
   <p:timing>
     <p:tnLst>
       <p:par>
-        <p:cTn id="1" dur="indefinite" restart="never" nodeType="tmRoot"/>
+        <p:cTn id="1" dur="indefinite" restart="never" nodeType="tmRoot">
+          <p:childTnLst>
+            <p:seq concurrent="1" nextAc="seek">
+              <p:cTn id="2" dur="indefinite" nodeType="mainSeq">
+                <p:childTnLst>
+                  <p:par>
+                    <p:cTn id="3" fill="hold">
+                      <p:stCondLst>
+                        <p:cond delay="indefinite"/>
+                      </p:stCondLst>
+                      <p:childTnLst>
+                        <p:par>
+                          <p:cTn id="4" fill="hold">
+                            <p:stCondLst>
+                              <p:cond delay="0"/>
+                            </p:stCondLst>
+                            <p:childTnLst>
+                              <p:par>
+                                <p:cTn id="5" presetID="1" presetClass="entr" presetSubtype="0" fill="hold" grpId="0" nodeType="clickEffect">
+                                  <p:stCondLst>
+                                    <p:cond delay="0"/>
+                                  </p:stCondLst>
+                                  <p:childTnLst>
+                                    <p:set>
+                                      <p:cBhvr>
+                                        <p:cTn id="6" dur="1" fill="hold">
+                                          <p:stCondLst>
+                                            <p:cond delay="0"/>
+                                          </p:stCondLst>
+                                        </p:cTn>
+                                        <p:tgtEl>
+                                          <p:spTgt spid="3">
+                                            <p:txEl>
+                                              <p:pRg st="1" end="1"/>
+                                            </p:txEl>
+                                          </p:spTgt>
+                                        </p:tgtEl>
+                                        <p:attrNameLst>
+                                          <p:attrName>style.visibility</p:attrName>
+                                        </p:attrNameLst>
+                                      </p:cBhvr>
+                                      <p:to>
+                                        <p:strVal val="visible"/>
+                                      </p:to>
+                                    </p:set>
+                                  </p:childTnLst>
+                                </p:cTn>
+                              </p:par>
+                            </p:childTnLst>
+                          </p:cTn>
+                        </p:par>
+                      </p:childTnLst>
+                    </p:cTn>
+                  </p:par>
+                  <p:par>
+                    <p:cTn id="7" fill="hold">
+                      <p:stCondLst>
+                        <p:cond delay="indefinite"/>
+                      </p:stCondLst>
+                      <p:childTnLst>
+                        <p:par>
+                          <p:cTn id="8" fill="hold">
+                            <p:stCondLst>
+                              <p:cond delay="0"/>
+                            </p:stCondLst>
+                            <p:childTnLst>
+                              <p:par>
+                                <p:cTn id="9" presetID="1" presetClass="entr" presetSubtype="0" fill="hold" grpId="0" nodeType="clickEffect">
+                                  <p:stCondLst>
+                                    <p:cond delay="0"/>
+                                  </p:stCondLst>
+                                  <p:childTnLst>
+                                    <p:set>
+                                      <p:cBhvr>
+                                        <p:cTn id="10" dur="1" fill="hold">
+                                          <p:stCondLst>
+                                            <p:cond delay="0"/>
+                                          </p:stCondLst>
+                                        </p:cTn>
+                                        <p:tgtEl>
+                                          <p:spTgt spid="3">
+                                            <p:txEl>
+                                              <p:pRg st="3" end="3"/>
+                                            </p:txEl>
+                                          </p:spTgt>
+                                        </p:tgtEl>
+                                        <p:attrNameLst>
+                                          <p:attrName>style.visibility</p:attrName>
+                                        </p:attrNameLst>
+                                      </p:cBhvr>
+                                      <p:to>
+                                        <p:strVal val="visible"/>
+                                      </p:to>
+                                    </p:set>
+                                  </p:childTnLst>
+                                </p:cTn>
+                              </p:par>
+                              <p:par>
+                                <p:cTn id="11" presetID="1" presetClass="entr" presetSubtype="0" fill="hold" grpId="0" nodeType="withEffect">
+                                  <p:stCondLst>
+                                    <p:cond delay="0"/>
+                                  </p:stCondLst>
+                                  <p:childTnLst>
+                                    <p:set>
+                                      <p:cBhvr>
+                                        <p:cTn id="12" dur="1" fill="hold">
+                                          <p:stCondLst>
+                                            <p:cond delay="0"/>
+                                          </p:stCondLst>
+                                        </p:cTn>
+                                        <p:tgtEl>
+                                          <p:spTgt spid="3">
+                                            <p:txEl>
+                                              <p:pRg st="4" end="4"/>
+                                            </p:txEl>
+                                          </p:spTgt>
+                                        </p:tgtEl>
+                                        <p:attrNameLst>
+                                          <p:attrName>style.visibility</p:attrName>
+                                        </p:attrNameLst>
+                                      </p:cBhvr>
+                                      <p:to>
+                                        <p:strVal val="visible"/>
+                                      </p:to>
+                                    </p:set>
+                                  </p:childTnLst>
+                                </p:cTn>
+                              </p:par>
+                              <p:par>
+                                <p:cTn id="13" presetID="1" presetClass="entr" presetSubtype="0" fill="hold" grpId="0" nodeType="withEffect">
+                                  <p:stCondLst>
+                                    <p:cond delay="0"/>
+                                  </p:stCondLst>
+                                  <p:childTnLst>
+                                    <p:set>
+                                      <p:cBhvr>
+                                        <p:cTn id="14" dur="1" fill="hold">
+                                          <p:stCondLst>
+                                            <p:cond delay="0"/>
+                                          </p:stCondLst>
+                                        </p:cTn>
+                                        <p:tgtEl>
+                                          <p:spTgt spid="3">
+                                            <p:txEl>
+                                              <p:pRg st="5" end="5"/>
+                                            </p:txEl>
+                                          </p:spTgt>
+                                        </p:tgtEl>
+                                        <p:attrNameLst>
+                                          <p:attrName>style.visibility</p:attrName>
+                                        </p:attrNameLst>
+                                      </p:cBhvr>
+                                      <p:to>
+                                        <p:strVal val="visible"/>
+                                      </p:to>
+                                    </p:set>
+                                  </p:childTnLst>
+                                </p:cTn>
+                              </p:par>
+                              <p:par>
+                                <p:cTn id="15" presetID="1" presetClass="entr" presetSubtype="0" fill="hold" grpId="0" nodeType="withEffect">
+                                  <p:stCondLst>
+                                    <p:cond delay="0"/>
+                                  </p:stCondLst>
+                                  <p:childTnLst>
+                                    <p:set>
+                                      <p:cBhvr>
+                                        <p:cTn id="16" dur="1" fill="hold">
+                                          <p:stCondLst>
+                                            <p:cond delay="0"/>
+                                          </p:stCondLst>
+                                        </p:cTn>
+                                        <p:tgtEl>
+                                          <p:spTgt spid="3">
+                                            <p:txEl>
+                                              <p:pRg st="6" end="6"/>
+                                            </p:txEl>
+                                          </p:spTgt>
+                                        </p:tgtEl>
+                                        <p:attrNameLst>
+                                          <p:attrName>style.visibility</p:attrName>
+                                        </p:attrNameLst>
+                                      </p:cBhvr>
+                                      <p:to>
+                                        <p:strVal val="visible"/>
+                                      </p:to>
+                                    </p:set>
+                                  </p:childTnLst>
+                                </p:cTn>
+                              </p:par>
+                            </p:childTnLst>
+                          </p:cTn>
+                        </p:par>
+                      </p:childTnLst>
+                    </p:cTn>
+                  </p:par>
+                  <p:par>
+                    <p:cTn id="17" fill="hold">
+                      <p:stCondLst>
+                        <p:cond delay="indefinite"/>
+                      </p:stCondLst>
+                      <p:childTnLst>
+                        <p:par>
+                          <p:cTn id="18" fill="hold">
+                            <p:stCondLst>
+                              <p:cond delay="0"/>
+                            </p:stCondLst>
+                            <p:childTnLst>
+                              <p:par>
+                                <p:cTn id="19" presetID="1" presetClass="entr" presetSubtype="0" fill="hold" grpId="0" nodeType="clickEffect">
+                                  <p:stCondLst>
+                                    <p:cond delay="0"/>
+                                  </p:stCondLst>
+                                  <p:childTnLst>
+                                    <p:set>
+                                      <p:cBhvr>
+                                        <p:cTn id="20" dur="1" fill="hold">
+                                          <p:stCondLst>
+                                            <p:cond delay="0"/>
+                                          </p:stCondLst>
+                                        </p:cTn>
+                                        <p:tgtEl>
+                                          <p:spTgt spid="3">
+                                            <p:txEl>
+                                              <p:pRg st="8" end="8"/>
+                                            </p:txEl>
+                                          </p:spTgt>
+                                        </p:tgtEl>
+                                        <p:attrNameLst>
+                                          <p:attrName>style.visibility</p:attrName>
+                                        </p:attrNameLst>
+                                      </p:cBhvr>
+                                      <p:to>
+                                        <p:strVal val="visible"/>
+                                      </p:to>
+                                    </p:set>
+                                  </p:childTnLst>
+                                </p:cTn>
+                              </p:par>
+                            </p:childTnLst>
+                          </p:cTn>
+                        </p:par>
+                      </p:childTnLst>
+                    </p:cTn>
+                  </p:par>
+                </p:childTnLst>
+              </p:cTn>
+              <p:prevCondLst>
+                <p:cond evt="onPrev" delay="0">
+                  <p:tgtEl>
+                    <p:sldTgt/>
+                  </p:tgtEl>
+                </p:cond>
+              </p:prevCondLst>
+              <p:nextCondLst>
+                <p:cond evt="onNext" delay="0">
+                  <p:tgtEl>
+                    <p:sldTgt/>
+                  </p:tgtEl>
+                </p:cond>
+              </p:nextCondLst>
+            </p:seq>
+          </p:childTnLst>
+        </p:cTn>
       </p:par>
     </p:tnLst>
+    <p:bldLst>
+      <p:bldP spid="3" grpId="0" build="p"/>
+    </p:bldLst>
   </p:timing>
 </p:sld>
 </file>
